--- a/Curriculum/Week_4/Lectures/4.1_Python.pptx
+++ b/Curriculum/Week_4/Lectures/4.1_Python.pptx
@@ -1356,7 +1356,7 @@
         </p:nvSpPr>
         <p:spPr>
           <a:xfrm>
-            <a:off x="381300" y="685800"/>
+            <a:off x="381000" y="685800"/>
             <a:ext cx="6096000" cy="3429000"/>
           </a:xfrm>
           <a:custGeom>
@@ -1802,7 +1802,7 @@
         </p:nvSpPr>
         <p:spPr>
           <a:xfrm>
-            <a:off x="381300" y="685800"/>
+            <a:off x="381000" y="685800"/>
             <a:ext cx="6096000" cy="3429000"/>
           </a:xfrm>
           <a:custGeom>
@@ -2945,7 +2945,7 @@
         </p:nvSpPr>
         <p:spPr>
           <a:xfrm>
-            <a:off x="381300" y="685800"/>
+            <a:off x="381000" y="685800"/>
             <a:ext cx="6096000" cy="3429000"/>
           </a:xfrm>
           <a:custGeom>
@@ -8278,7 +8278,7 @@
               <a:buChar char="●"/>
             </a:pPr>
             <a:r>
-              <a:rPr lang="en" sz="1800">
+              <a:rPr lang="en" sz="1800" dirty="0">
                 <a:solidFill>
                   <a:srgbClr val="666666"/>
                 </a:solidFill>
@@ -8301,7 +8301,7 @@
               <a:buChar char="●"/>
             </a:pPr>
             <a:r>
-              <a:rPr lang="en" sz="1800">
+              <a:rPr lang="en" sz="1800" dirty="0">
                 <a:solidFill>
                   <a:srgbClr val="666666"/>
                 </a:solidFill>
@@ -8309,7 +8309,7 @@
               <a:t>Can contain a mixture of types	 </a:t>
             </a:r>
             <a:r>
-              <a:rPr lang="en" sz="1800">
+              <a:rPr lang="en" sz="1800" dirty="0">
                 <a:solidFill>
                   <a:srgbClr val="000000"/>
                 </a:solidFill>
@@ -8336,7 +8336,7 @@
               <a:buChar char="●"/>
             </a:pPr>
             <a:r>
-              <a:rPr lang="en" sz="1800">
+              <a:rPr lang="en" sz="1800" dirty="0">
                 <a:solidFill>
                   <a:srgbClr val="666666"/>
                 </a:solidFill>
@@ -8344,7 +8344,7 @@
               <a:t>Can be nested 	</a:t>
             </a:r>
             <a:r>
-              <a:rPr lang="en" sz="1800">
+              <a:rPr lang="en" sz="1800" dirty="0">
                 <a:solidFill>
                   <a:srgbClr val="000000"/>
                 </a:solidFill>
@@ -8371,7 +8371,7 @@
               <a:buChar char="●"/>
             </a:pPr>
             <a:r>
-              <a:rPr lang="en" sz="1800">
+              <a:rPr lang="en" sz="1800" dirty="0">
                 <a:solidFill>
                   <a:srgbClr val="666666"/>
                 </a:solidFill>
@@ -8394,7 +8394,7 @@
               <a:buChar char="○"/>
             </a:pPr>
             <a:r>
-              <a:rPr lang="en" sz="1800">
+              <a:rPr lang="en" sz="1800" dirty="0">
                 <a:solidFill>
                   <a:srgbClr val="000000"/>
                 </a:solidFill>
@@ -8406,7 +8406,7 @@
               <a:t>a[0] </a:t>
             </a:r>
             <a:r>
-              <a:rPr lang="en" sz="1800">
+              <a:rPr lang="en" sz="1800" dirty="0">
                 <a:solidFill>
                   <a:srgbClr val="999999"/>
                 </a:solidFill>
@@ -8434,7 +8434,7 @@
               <a:buChar char="○"/>
             </a:pPr>
             <a:r>
-              <a:rPr lang="en" sz="1800">
+              <a:rPr lang="en" sz="1800" dirty="0">
                 <a:solidFill>
                   <a:srgbClr val="000000"/>
                 </a:solidFill>
@@ -8446,7 +8446,7 @@
               <a:t>b[1] </a:t>
             </a:r>
             <a:r>
-              <a:rPr lang="en" sz="1800">
+              <a:rPr lang="en" sz="1800" dirty="0">
                 <a:solidFill>
                   <a:srgbClr val="999999"/>
                 </a:solidFill>
@@ -8473,7 +8473,7 @@
               <a:buChar char="●"/>
             </a:pPr>
             <a:r>
-              <a:rPr lang="en" sz="1800">
+              <a:rPr lang="en" sz="1800" dirty="0">
                 <a:solidFill>
                   <a:srgbClr val="666666"/>
                 </a:solidFill>
@@ -8497,7 +8497,7 @@
               <a:buChar char="○"/>
             </a:pPr>
             <a:r>
-              <a:rPr lang="en" sz="1800">
+              <a:rPr lang="en" sz="1800" dirty="0">
                 <a:solidFill>
                   <a:srgbClr val="000000"/>
                 </a:solidFill>
@@ -8509,7 +8509,7 @@
               <a:t>a[0] = “one” </a:t>
             </a:r>
             <a:r>
-              <a:rPr lang="en" sz="1800">
+              <a:rPr lang="en" sz="1800" dirty="0">
                 <a:solidFill>
                   <a:srgbClr val="999999"/>
                 </a:solidFill>
@@ -8536,7 +8536,7 @@
               <a:buChar char="●"/>
             </a:pPr>
             <a:r>
-              <a:rPr lang="en" sz="1800">
+              <a:rPr lang="en" sz="1800" dirty="0">
                 <a:solidFill>
                   <a:srgbClr val="666666"/>
                 </a:solidFill>
@@ -8560,7 +8560,7 @@
               <a:buChar char="○"/>
             </a:pPr>
             <a:r>
-              <a:rPr lang="en" sz="1800">
+              <a:rPr lang="en" sz="1800" dirty="0">
                 <a:solidFill>
                   <a:srgbClr val="000000"/>
                 </a:solidFill>
@@ -8572,7 +8572,7 @@
               <a:t>a[1:]  </a:t>
             </a:r>
             <a:r>
-              <a:rPr lang="en" sz="1800">
+              <a:rPr lang="en" sz="1800" dirty="0">
                 <a:solidFill>
                   <a:srgbClr val="999999"/>
                 </a:solidFill>
@@ -8600,7 +8600,7 @@
               <a:buChar char="○"/>
             </a:pPr>
             <a:r>
-              <a:rPr lang="en" sz="1800">
+              <a:rPr lang="en" sz="1800" dirty="0">
                 <a:solidFill>
                   <a:srgbClr val="000000"/>
                 </a:solidFill>
@@ -8612,7 +8612,7 @@
               <a:t>a[:-1] </a:t>
             </a:r>
             <a:r>
-              <a:rPr lang="en" sz="1800">
+              <a:rPr lang="en" sz="1800" dirty="0">
                 <a:solidFill>
                   <a:srgbClr val="999999"/>
                 </a:solidFill>
@@ -10159,7 +10159,7 @@
               <a:buChar char="●"/>
             </a:pPr>
             <a:r>
-              <a:rPr lang="en" sz="1800">
+              <a:rPr lang="en" sz="1800" dirty="0">
                 <a:solidFill>
                   <a:srgbClr val="666666"/>
                 </a:solidFill>
@@ -10185,7 +10185,7 @@
               <a:buChar char="●"/>
             </a:pPr>
             <a:r>
-              <a:rPr lang="en" sz="1800">
+              <a:rPr lang="en" sz="1800" dirty="0">
                 <a:solidFill>
                   <a:srgbClr val="666666"/>
                 </a:solidFill>
@@ -10204,7 +10204,7 @@
               <a:buNone/>
             </a:pPr>
             <a:r>
-              <a:rPr lang="en" sz="1800">
+              <a:rPr lang="en-US" sz="1800" dirty="0" smtClean="0">
                 <a:solidFill>
                   <a:srgbClr val="000000"/>
                 </a:solidFill>
@@ -10213,7 +10213,31 @@
                 <a:cs typeface="Consolas"/>
                 <a:sym typeface="Consolas"/>
               </a:rPr>
-              <a:t>a, b, c = (1,2,3)</a:t>
+              <a:t>	</a:t>
+            </a:r>
+            <a:r>
+              <a:rPr lang="en" sz="1800" dirty="0" smtClean="0">
+                <a:solidFill>
+                  <a:srgbClr val="000000"/>
+                </a:solidFill>
+                <a:latin typeface="Consolas"/>
+                <a:ea typeface="Consolas"/>
+                <a:cs typeface="Consolas"/>
+                <a:sym typeface="Consolas"/>
+              </a:rPr>
+              <a:t>a</a:t>
+            </a:r>
+            <a:r>
+              <a:rPr lang="en" sz="1800" dirty="0">
+                <a:solidFill>
+                  <a:srgbClr val="000000"/>
+                </a:solidFill>
+                <a:latin typeface="Consolas"/>
+                <a:ea typeface="Consolas"/>
+                <a:cs typeface="Consolas"/>
+                <a:sym typeface="Consolas"/>
+              </a:rPr>
+              <a:t>, b, c = (1,2,3)</a:t>
             </a:r>
           </a:p>
           <a:p>
@@ -10227,7 +10251,7 @@
               <a:buNone/>
             </a:pPr>
             <a:r>
-              <a:rPr lang="en" sz="1800">
+              <a:rPr lang="en-US" sz="1800" dirty="0" smtClean="0">
                 <a:solidFill>
                   <a:srgbClr val="000000"/>
                 </a:solidFill>
@@ -10236,7 +10260,31 @@
                 <a:cs typeface="Consolas"/>
                 <a:sym typeface="Consolas"/>
               </a:rPr>
-              <a:t>a, b, c = [1,2,3]</a:t>
+              <a:t>	</a:t>
+            </a:r>
+            <a:r>
+              <a:rPr lang="en" sz="1800" dirty="0" smtClean="0">
+                <a:solidFill>
+                  <a:srgbClr val="000000"/>
+                </a:solidFill>
+                <a:latin typeface="Consolas"/>
+                <a:ea typeface="Consolas"/>
+                <a:cs typeface="Consolas"/>
+                <a:sym typeface="Consolas"/>
+              </a:rPr>
+              <a:t>a</a:t>
+            </a:r>
+            <a:r>
+              <a:rPr lang="en" sz="1800" dirty="0">
+                <a:solidFill>
+                  <a:srgbClr val="000000"/>
+                </a:solidFill>
+                <a:latin typeface="Consolas"/>
+                <a:ea typeface="Consolas"/>
+                <a:cs typeface="Consolas"/>
+                <a:sym typeface="Consolas"/>
+              </a:rPr>
+              <a:t>, b, c = [1,2,3]</a:t>
             </a:r>
           </a:p>
           <a:p>
@@ -10250,7 +10298,7 @@
               <a:buNone/>
             </a:pPr>
             <a:r>
-              <a:rPr lang="en" sz="1800">
+              <a:rPr lang="en-US" sz="1800" dirty="0" smtClean="0">
                 <a:solidFill>
                   <a:srgbClr val="000000"/>
                 </a:solidFill>
@@ -10259,7 +10307,31 @@
                 <a:cs typeface="Consolas"/>
                 <a:sym typeface="Consolas"/>
               </a:rPr>
-              <a:t>a, b, c = set([1,2,3])</a:t>
+              <a:t>	</a:t>
+            </a:r>
+            <a:r>
+              <a:rPr lang="en" sz="1800" dirty="0" smtClean="0">
+                <a:solidFill>
+                  <a:srgbClr val="000000"/>
+                </a:solidFill>
+                <a:latin typeface="Consolas"/>
+                <a:ea typeface="Consolas"/>
+                <a:cs typeface="Consolas"/>
+                <a:sym typeface="Consolas"/>
+              </a:rPr>
+              <a:t>a</a:t>
+            </a:r>
+            <a:r>
+              <a:rPr lang="en" sz="1800" dirty="0">
+                <a:solidFill>
+                  <a:srgbClr val="000000"/>
+                </a:solidFill>
+                <a:latin typeface="Consolas"/>
+                <a:ea typeface="Consolas"/>
+                <a:cs typeface="Consolas"/>
+                <a:sym typeface="Consolas"/>
+              </a:rPr>
+              <a:t>, b, c = set([1,2,3])</a:t>
             </a:r>
           </a:p>
           <a:p>
@@ -10273,7 +10345,7 @@
               <a:buNone/>
             </a:pPr>
             <a:r>
-              <a:rPr lang="en" sz="1800">
+              <a:rPr lang="en-US" sz="1800" dirty="0" smtClean="0">
                 <a:solidFill>
                   <a:srgbClr val="999999"/>
                 </a:solidFill>
@@ -10282,7 +10354,31 @@
                 <a:cs typeface="Consolas"/>
                 <a:sym typeface="Consolas"/>
               </a:rPr>
-              <a:t># for all three cases: a = 1, b = 2, and c = 3</a:t>
+              <a:t>	</a:t>
+            </a:r>
+            <a:r>
+              <a:rPr lang="en" sz="1800" dirty="0" smtClean="0">
+                <a:solidFill>
+                  <a:srgbClr val="999999"/>
+                </a:solidFill>
+                <a:latin typeface="Consolas"/>
+                <a:ea typeface="Consolas"/>
+                <a:cs typeface="Consolas"/>
+                <a:sym typeface="Consolas"/>
+              </a:rPr>
+              <a:t># </a:t>
+            </a:r>
+            <a:r>
+              <a:rPr lang="en" sz="1800" dirty="0">
+                <a:solidFill>
+                  <a:srgbClr val="999999"/>
+                </a:solidFill>
+                <a:latin typeface="Consolas"/>
+                <a:ea typeface="Consolas"/>
+                <a:cs typeface="Consolas"/>
+                <a:sym typeface="Consolas"/>
+              </a:rPr>
+              <a:t>for all three cases: a = 1, b = 2, and c = 3</a:t>
             </a:r>
           </a:p>
           <a:p>
@@ -10295,7 +10391,7 @@
               </a:spcAft>
               <a:buNone/>
             </a:pPr>
-            <a:endParaRPr sz="1800">
+            <a:endParaRPr sz="1800" dirty="0">
               <a:solidFill>
                 <a:srgbClr val="999999"/>
               </a:solidFill>
@@ -10323,7 +10419,7 @@
               <a:buChar char="●"/>
             </a:pPr>
             <a:r>
-              <a:rPr lang="en" sz="1800">
+              <a:rPr lang="en" sz="1800" dirty="0">
                 <a:solidFill>
                   <a:srgbClr val="666666"/>
                 </a:solidFill>
@@ -10342,7 +10438,7 @@
               <a:buNone/>
             </a:pPr>
             <a:r>
-              <a:rPr lang="en" sz="1800">
+              <a:rPr lang="en-US" sz="1800" dirty="0" smtClean="0">
                 <a:solidFill>
                   <a:srgbClr val="000000"/>
                 </a:solidFill>
@@ -10351,7 +10447,31 @@
                 <a:cs typeface="Consolas"/>
                 <a:sym typeface="Consolas"/>
               </a:rPr>
-              <a:t>a, b = {“age”: 22, “height”: 160}</a:t>
+              <a:t>	</a:t>
+            </a:r>
+            <a:r>
+              <a:rPr lang="en" sz="1800" dirty="0" smtClean="0">
+                <a:solidFill>
+                  <a:srgbClr val="000000"/>
+                </a:solidFill>
+                <a:latin typeface="Consolas"/>
+                <a:ea typeface="Consolas"/>
+                <a:cs typeface="Consolas"/>
+                <a:sym typeface="Consolas"/>
+              </a:rPr>
+              <a:t>a</a:t>
+            </a:r>
+            <a:r>
+              <a:rPr lang="en" sz="1800" dirty="0">
+                <a:solidFill>
+                  <a:srgbClr val="000000"/>
+                </a:solidFill>
+                <a:latin typeface="Consolas"/>
+                <a:ea typeface="Consolas"/>
+                <a:cs typeface="Consolas"/>
+                <a:sym typeface="Consolas"/>
+              </a:rPr>
+              <a:t>, b = {“age”: 22, “height”: 160}</a:t>
             </a:r>
           </a:p>
           <a:p>
@@ -10365,7 +10485,7 @@
               <a:buNone/>
             </a:pPr>
             <a:r>
-              <a:rPr lang="en" sz="1800">
+              <a:rPr lang="en-US" sz="1800" dirty="0" smtClean="0">
                 <a:solidFill>
                   <a:srgbClr val="999999"/>
                 </a:solidFill>
@@ -10374,7 +10494,31 @@
                 <a:cs typeface="Consolas"/>
                 <a:sym typeface="Consolas"/>
               </a:rPr>
-              <a:t># a = “age”, b = “height”</a:t>
+              <a:t>	</a:t>
+            </a:r>
+            <a:r>
+              <a:rPr lang="en" sz="1800" dirty="0" smtClean="0">
+                <a:solidFill>
+                  <a:srgbClr val="999999"/>
+                </a:solidFill>
+                <a:latin typeface="Consolas"/>
+                <a:ea typeface="Consolas"/>
+                <a:cs typeface="Consolas"/>
+                <a:sym typeface="Consolas"/>
+              </a:rPr>
+              <a:t># </a:t>
+            </a:r>
+            <a:r>
+              <a:rPr lang="en" sz="1800" dirty="0">
+                <a:solidFill>
+                  <a:srgbClr val="999999"/>
+                </a:solidFill>
+                <a:latin typeface="Consolas"/>
+                <a:ea typeface="Consolas"/>
+                <a:cs typeface="Consolas"/>
+                <a:sym typeface="Consolas"/>
+              </a:rPr>
+              <a:t>a = “age”, b = “height”</a:t>
             </a:r>
           </a:p>
         </p:txBody>
@@ -11237,31 +11381,24 @@
                   <a:srgbClr val="666666"/>
                 </a:solidFill>
               </a:rPr>
-              <a:t>Has many supporting libraries</a:t>
-            </a:r>
-          </a:p>
-          <a:p>
-            <a:pPr marL="285750" lvl="0" indent="-285750" rtl="0">
-              <a:lnSpc>
-                <a:spcPct val="150000"/>
-              </a:lnSpc>
-              <a:spcBef>
-                <a:spcPts val="0"/>
-              </a:spcBef>
-              <a:spcAft>
-                <a:spcPts val="0"/>
-              </a:spcAft>
-              <a:buFont typeface="Arial"/>
-              <a:buChar char="•"/>
-            </a:pPr>
-            <a:endParaRPr dirty="0">
+              <a:t>Has many supporting </a:t>
+            </a:r>
+            <a:r>
+              <a:rPr lang="en" dirty="0" smtClean="0">
+                <a:solidFill>
+                  <a:srgbClr val="666666"/>
+                </a:solidFill>
+              </a:rPr>
+              <a:t>libraries</a:t>
+            </a:r>
+            <a:endParaRPr lang="en-US" dirty="0">
               <a:solidFill>
                 <a:srgbClr val="666666"/>
               </a:solidFill>
             </a:endParaRPr>
           </a:p>
           <a:p>
-            <a:pPr lvl="0" rtl="0">
+            <a:pPr marL="228600" lvl="0" rtl="0">
               <a:lnSpc>
                 <a:spcPct val="150000"/>
               </a:lnSpc>
@@ -11271,15 +11408,39 @@
               <a:spcAft>
                 <a:spcPts val="0"/>
               </a:spcAft>
-            </a:pPr>
+              <a:buClr>
+                <a:srgbClr val="666666"/>
+              </a:buClr>
+            </a:pPr>
+            <a:r>
+              <a:rPr lang="en" dirty="0" smtClean="0">
+                <a:solidFill>
+                  <a:srgbClr val="666666"/>
+                </a:solidFill>
+              </a:rPr>
+              <a:t>Compared </a:t>
+            </a:r>
             <a:r>
               <a:rPr lang="en" dirty="0">
                 <a:solidFill>
                   <a:srgbClr val="666666"/>
                 </a:solidFill>
               </a:rPr>
-              <a:t>Compared to Java:</a:t>
-            </a:r>
+              <a:t>to </a:t>
+            </a:r>
+            <a:r>
+              <a:rPr lang="en" dirty="0" smtClean="0">
+                <a:solidFill>
+                  <a:srgbClr val="666666"/>
+                </a:solidFill>
+              </a:rPr>
+              <a:t>Java:</a:t>
+            </a:r>
+            <a:endParaRPr lang="en-US" dirty="0" smtClean="0">
+              <a:solidFill>
+                <a:srgbClr val="666666"/>
+              </a:solidFill>
+            </a:endParaRPr>
           </a:p>
           <a:p>
             <a:pPr marL="514350" lvl="0" indent="-285750" rtl="0">
@@ -11299,12 +11460,20 @@
               <a:buChar char="•"/>
             </a:pPr>
             <a:r>
+              <a:rPr lang="en" dirty="0" smtClean="0">
+                <a:solidFill>
+                  <a:srgbClr val="666666"/>
+                </a:solidFill>
+              </a:rPr>
+              <a:t>Simpler </a:t>
+            </a:r>
+            <a:r>
               <a:rPr lang="en" dirty="0">
                 <a:solidFill>
                   <a:srgbClr val="666666"/>
                 </a:solidFill>
               </a:rPr>
-              <a:t>Simpler syntax</a:t>
+              <a:t>syntax</a:t>
             </a:r>
           </a:p>
           <a:p>
@@ -11325,12 +11494,20 @@
               <a:buChar char="•"/>
             </a:pPr>
             <a:r>
+              <a:rPr lang="en" dirty="0" smtClean="0">
+                <a:solidFill>
+                  <a:srgbClr val="666666"/>
+                </a:solidFill>
+              </a:rPr>
+              <a:t>Non-compiled </a:t>
+            </a:r>
+            <a:r>
               <a:rPr lang="en" dirty="0">
                 <a:solidFill>
                   <a:srgbClr val="666666"/>
                 </a:solidFill>
               </a:rPr>
-              <a:t>Non-compiled (like Javascript!)</a:t>
+              <a:t>(like Javascript!)</a:t>
             </a:r>
           </a:p>
           <a:p>
@@ -11465,7 +11642,7 @@
               <a:buChar char="●"/>
             </a:pPr>
             <a:r>
-              <a:rPr lang="en">
+              <a:rPr lang="en" dirty="0">
                 <a:solidFill>
                   <a:srgbClr val="666666"/>
                 </a:solidFill>
@@ -11473,7 +11650,7 @@
               <a:t>Python supports </a:t>
             </a:r>
             <a:r>
-              <a:rPr lang="en">
+              <a:rPr lang="en" dirty="0">
                 <a:solidFill>
                   <a:srgbClr val="000000"/>
                 </a:solidFill>
@@ -11485,7 +11662,7 @@
               <a:t>for</a:t>
             </a:r>
             <a:r>
-              <a:rPr lang="en">
+              <a:rPr lang="en" dirty="0">
                 <a:solidFill>
                   <a:srgbClr val="666666"/>
                 </a:solidFill>
@@ -11493,7 +11670,7 @@
               <a:t>,</a:t>
             </a:r>
             <a:r>
-              <a:rPr lang="en">
+              <a:rPr lang="en" dirty="0">
                 <a:solidFill>
                   <a:srgbClr val="666666"/>
                 </a:solidFill>
@@ -11505,7 +11682,7 @@
               <a:t> </a:t>
             </a:r>
             <a:r>
-              <a:rPr lang="en">
+              <a:rPr lang="en" dirty="0">
                 <a:solidFill>
                   <a:srgbClr val="000000"/>
                 </a:solidFill>
@@ -11517,7 +11694,7 @@
               <a:t>for</a:t>
             </a:r>
             <a:r>
-              <a:rPr lang="en">
+              <a:rPr lang="en" dirty="0">
                 <a:solidFill>
                   <a:srgbClr val="666666"/>
                 </a:solidFill>
@@ -11529,7 +11706,7 @@
               <a:t>/</a:t>
             </a:r>
             <a:r>
-              <a:rPr lang="en">
+              <a:rPr lang="en" dirty="0">
                 <a:solidFill>
                   <a:srgbClr val="000000"/>
                 </a:solidFill>
@@ -11541,7 +11718,7 @@
               <a:t>in</a:t>
             </a:r>
             <a:r>
-              <a:rPr lang="en">
+              <a:rPr lang="en" dirty="0">
                 <a:solidFill>
                   <a:srgbClr val="666666"/>
                 </a:solidFill>
@@ -11549,7 +11726,7 @@
               <a:t>,</a:t>
             </a:r>
             <a:r>
-              <a:rPr lang="en">
+              <a:rPr lang="en" dirty="0">
                 <a:solidFill>
                   <a:srgbClr val="666666"/>
                 </a:solidFill>
@@ -11561,7 +11738,7 @@
               <a:t> </a:t>
             </a:r>
             <a:r>
-              <a:rPr lang="en">
+              <a:rPr lang="en" dirty="0">
                 <a:solidFill>
                   <a:srgbClr val="000000"/>
                 </a:solidFill>
@@ -11590,7 +11767,7 @@
               <a:buChar char="●"/>
             </a:pPr>
             <a:r>
-              <a:rPr lang="en">
+              <a:rPr lang="en" dirty="0">
                 <a:solidFill>
                   <a:srgbClr val="666666"/>
                 </a:solidFill>
@@ -11598,7 +11775,7 @@
               <a:t>Python does not have: </a:t>
             </a:r>
             <a:r>
-              <a:rPr lang="en">
+              <a:rPr lang="en" dirty="0">
                 <a:solidFill>
                   <a:srgbClr val="000000"/>
                 </a:solidFill>
@@ -11610,7 +11787,7 @@
               <a:t>do</a:t>
             </a:r>
             <a:r>
-              <a:rPr lang="en">
+              <a:rPr lang="en" dirty="0">
                 <a:solidFill>
                   <a:srgbClr val="666666"/>
                 </a:solidFill>
@@ -11622,7 +11799,7 @@
               <a:t>/</a:t>
             </a:r>
             <a:r>
-              <a:rPr lang="en">
+              <a:rPr lang="en" dirty="0">
                 <a:solidFill>
                   <a:srgbClr val="000000"/>
                 </a:solidFill>
@@ -11634,7 +11811,7 @@
               <a:t>while</a:t>
             </a:r>
             <a:r>
-              <a:rPr lang="en">
+              <a:rPr lang="en" dirty="0">
                 <a:solidFill>
                   <a:srgbClr val="666666"/>
                 </a:solidFill>
@@ -11642,7 +11819,7 @@
               <a:t>,</a:t>
             </a:r>
             <a:r>
-              <a:rPr lang="en">
+              <a:rPr lang="en" dirty="0">
                 <a:solidFill>
                   <a:srgbClr val="666666"/>
                 </a:solidFill>
@@ -11654,7 +11831,7 @@
               <a:t> </a:t>
             </a:r>
             <a:r>
-              <a:rPr lang="en">
+              <a:rPr lang="en" dirty="0">
                 <a:solidFill>
                   <a:srgbClr val="000000"/>
                 </a:solidFill>
@@ -11666,7 +11843,7 @@
               <a:t>switch</a:t>
             </a:r>
             <a:r>
-              <a:rPr lang="en">
+              <a:rPr lang="en" dirty="0">
                 <a:solidFill>
                   <a:srgbClr val="666666"/>
                 </a:solidFill>
@@ -11678,7 +11855,7 @@
               <a:t> </a:t>
             </a:r>
             <a:r>
-              <a:rPr lang="en">
+              <a:rPr lang="en" dirty="0">
                 <a:solidFill>
                   <a:srgbClr val="000000"/>
                 </a:solidFill>
@@ -11690,7 +11867,7 @@
               <a:t>case</a:t>
             </a:r>
             <a:r>
-              <a:rPr lang="en">
+              <a:rPr lang="en" dirty="0">
                 <a:solidFill>
                   <a:srgbClr val="666666"/>
                 </a:solidFill>
@@ -11715,7 +11892,7 @@
               <a:buChar char="●"/>
             </a:pPr>
             <a:r>
-              <a:rPr lang="en">
+              <a:rPr lang="en" dirty="0">
                 <a:solidFill>
                   <a:srgbClr val="666666"/>
                 </a:solidFill>
@@ -11751,16 +11928,13 @@
           <a:lstStyle/>
           <a:p>
             <a:pPr marL="0" lvl="0" indent="0" rtl="0">
-              <a:lnSpc>
-                <a:spcPct val="150000"/>
-              </a:lnSpc>
-              <a:spcBef>
-                <a:spcPts val="0"/>
-              </a:spcBef>
-              <a:buNone/>
-            </a:pPr>
-            <a:r>
-              <a:rPr lang="en">
+              <a:spcBef>
+                <a:spcPts val="0"/>
+              </a:spcBef>
+              <a:buNone/>
+            </a:pPr>
+            <a:r>
+              <a:rPr lang="en" dirty="0">
                 <a:solidFill>
                   <a:srgbClr val="666666"/>
                 </a:solidFill>
@@ -11772,7 +11946,7 @@
               <a:t>Java:</a:t>
             </a:r>
             <a:br>
-              <a:rPr lang="en">
+              <a:rPr lang="en" dirty="0">
                 <a:solidFill>
                   <a:srgbClr val="666666"/>
                 </a:solidFill>
@@ -11782,28 +11956,51 @@
                 <a:sym typeface="Open Sans"/>
               </a:rPr>
             </a:br>
-            <a:r>
-              <a:rPr lang="en" sz="1200">
-                <a:latin typeface="Consolas"/>
-                <a:ea typeface="Consolas"/>
-                <a:cs typeface="Consolas"/>
-                <a:sym typeface="Consolas"/>
-              </a:rPr>
-              <a:t>String[] msgs = [“Hello”, “World”];</a:t>
-            </a:r>
+            <a:endParaRPr lang="en-US" dirty="0" smtClean="0">
+              <a:solidFill>
+                <a:srgbClr val="666666"/>
+              </a:solidFill>
+              <a:latin typeface="Open Sans"/>
+              <a:ea typeface="Open Sans"/>
+              <a:cs typeface="Open Sans"/>
+              <a:sym typeface="Open Sans"/>
+            </a:endParaRPr>
           </a:p>
           <a:p>
             <a:pPr marL="0" lvl="0" indent="0" rtl="0">
-              <a:lnSpc>
-                <a:spcPct val="150000"/>
-              </a:lnSpc>
-              <a:spcBef>
-                <a:spcPts val="0"/>
-              </a:spcBef>
-              <a:buNone/>
-            </a:pPr>
-            <a:r>
-              <a:rPr lang="en" sz="1200">
+              <a:spcBef>
+                <a:spcPts val="0"/>
+              </a:spcBef>
+              <a:buNone/>
+            </a:pPr>
+            <a:r>
+              <a:rPr lang="en" dirty="0" smtClean="0">
+                <a:latin typeface="Consolas"/>
+                <a:ea typeface="Consolas"/>
+                <a:cs typeface="Consolas"/>
+                <a:sym typeface="Consolas"/>
+              </a:rPr>
+              <a:t>String</a:t>
+            </a:r>
+            <a:r>
+              <a:rPr lang="en" dirty="0">
+                <a:latin typeface="Consolas"/>
+                <a:ea typeface="Consolas"/>
+                <a:cs typeface="Consolas"/>
+                <a:sym typeface="Consolas"/>
+              </a:rPr>
+              <a:t>[] msgs = [“Hello”, “World”];</a:t>
+            </a:r>
+          </a:p>
+          <a:p>
+            <a:pPr marL="0" lvl="0" indent="0" rtl="0">
+              <a:spcBef>
+                <a:spcPts val="0"/>
+              </a:spcBef>
+              <a:buNone/>
+            </a:pPr>
+            <a:r>
+              <a:rPr lang="en" dirty="0">
                 <a:latin typeface="Consolas"/>
                 <a:ea typeface="Consolas"/>
                 <a:cs typeface="Consolas"/>
@@ -11812,7 +12009,7 @@
               <a:t>String[] result = new String[2];</a:t>
             </a:r>
             <a:br>
-              <a:rPr lang="en" sz="1200">
+              <a:rPr lang="en" dirty="0">
                 <a:latin typeface="Consolas"/>
                 <a:ea typeface="Consolas"/>
                 <a:cs typeface="Consolas"/>
@@ -11820,7 +12017,7 @@
               </a:rPr>
             </a:br>
             <a:r>
-              <a:rPr lang="en" sz="1200">
+              <a:rPr lang="en" dirty="0">
                 <a:latin typeface="Consolas"/>
                 <a:ea typeface="Consolas"/>
                 <a:cs typeface="Consolas"/>
@@ -11829,7 +12026,7 @@
               <a:t>for(int i = 0; i &lt; result.size(); i++) {</a:t>
             </a:r>
             <a:br>
-              <a:rPr lang="en" sz="1200">
+              <a:rPr lang="en" dirty="0">
                 <a:latin typeface="Consolas"/>
                 <a:ea typeface="Consolas"/>
                 <a:cs typeface="Consolas"/>
@@ -11837,7 +12034,7 @@
               </a:rPr>
             </a:br>
             <a:r>
-              <a:rPr lang="en" sz="1200">
+              <a:rPr lang="en" dirty="0">
                 <a:latin typeface="Consolas"/>
                 <a:ea typeface="Consolas"/>
                 <a:cs typeface="Consolas"/>
@@ -11846,7 +12043,7 @@
               <a:t>    	result[i] = msgs[i] + “!”;</a:t>
             </a:r>
             <a:br>
-              <a:rPr lang="en" sz="1200">
+              <a:rPr lang="en" dirty="0">
                 <a:latin typeface="Consolas"/>
                 <a:ea typeface="Consolas"/>
                 <a:cs typeface="Consolas"/>
@@ -11854,7 +12051,7 @@
               </a:rPr>
             </a:br>
             <a:r>
-              <a:rPr lang="en" sz="1200">
+              <a:rPr lang="en" dirty="0">
                 <a:latin typeface="Consolas"/>
                 <a:ea typeface="Consolas"/>
                 <a:cs typeface="Consolas"/>
@@ -11865,16 +12062,13 @@
           </a:p>
           <a:p>
             <a:pPr marL="0" lvl="0" indent="0" rtl="0">
-              <a:lnSpc>
-                <a:spcPct val="150000"/>
-              </a:lnSpc>
-              <a:spcBef>
-                <a:spcPts val="0"/>
-              </a:spcBef>
-              <a:buNone/>
-            </a:pPr>
-            <a:r>
-              <a:rPr lang="en" sz="1200">
+              <a:spcBef>
+                <a:spcPts val="0"/>
+              </a:spcBef>
+              <a:buNone/>
+            </a:pPr>
+            <a:r>
+              <a:rPr lang="en" dirty="0">
                 <a:solidFill>
                   <a:srgbClr val="999999"/>
                 </a:solidFill>
@@ -11914,16 +12108,13 @@
           <a:lstStyle/>
           <a:p>
             <a:pPr marL="0" lvl="0" indent="0" rtl="0">
-              <a:lnSpc>
-                <a:spcPct val="150000"/>
-              </a:lnSpc>
-              <a:spcBef>
-                <a:spcPts val="0"/>
-              </a:spcBef>
-              <a:buNone/>
-            </a:pPr>
-            <a:r>
-              <a:rPr lang="en">
+              <a:spcBef>
+                <a:spcPts val="0"/>
+              </a:spcBef>
+              <a:buNone/>
+            </a:pPr>
+            <a:r>
+              <a:rPr lang="en" dirty="0">
                 <a:solidFill>
                   <a:srgbClr val="666666"/>
                 </a:solidFill>
@@ -11935,7 +12126,7 @@
               <a:t>Python:</a:t>
             </a:r>
             <a:br>
-              <a:rPr lang="en">
+              <a:rPr lang="en" dirty="0">
                 <a:solidFill>
                   <a:srgbClr val="666666"/>
                 </a:solidFill>
@@ -11945,17 +12136,43 @@
                 <a:sym typeface="Open Sans"/>
               </a:rPr>
             </a:br>
-            <a:r>
-              <a:rPr lang="en" sz="1200">
-                <a:latin typeface="Consolas"/>
-                <a:ea typeface="Consolas"/>
-                <a:cs typeface="Consolas"/>
-                <a:sym typeface="Consolas"/>
-              </a:rPr>
-              <a:t>msgs = [“Hello”, “World”]</a:t>
+            <a:endParaRPr lang="en-US" dirty="0" smtClean="0">
+              <a:solidFill>
+                <a:srgbClr val="666666"/>
+              </a:solidFill>
+              <a:latin typeface="Open Sans"/>
+              <a:ea typeface="Open Sans"/>
+              <a:cs typeface="Open Sans"/>
+              <a:sym typeface="Open Sans"/>
+            </a:endParaRPr>
+          </a:p>
+          <a:p>
+            <a:pPr marL="0" lvl="0" indent="0" rtl="0">
+              <a:spcBef>
+                <a:spcPts val="0"/>
+              </a:spcBef>
+              <a:buNone/>
+            </a:pPr>
+            <a:r>
+              <a:rPr lang="en" dirty="0" smtClean="0">
+                <a:latin typeface="Consolas"/>
+                <a:ea typeface="Consolas"/>
+                <a:cs typeface="Consolas"/>
+                <a:sym typeface="Consolas"/>
+              </a:rPr>
+              <a:t>msgs </a:t>
+            </a:r>
+            <a:r>
+              <a:rPr lang="en" dirty="0">
+                <a:latin typeface="Consolas"/>
+                <a:ea typeface="Consolas"/>
+                <a:cs typeface="Consolas"/>
+                <a:sym typeface="Consolas"/>
+              </a:rPr>
+              <a:t>= [“Hello”, “World”]</a:t>
             </a:r>
             <a:br>
-              <a:rPr lang="en" sz="1200">
+              <a:rPr lang="en" dirty="0">
                 <a:latin typeface="Consolas"/>
                 <a:ea typeface="Consolas"/>
                 <a:cs typeface="Consolas"/>
@@ -11963,7 +12180,7 @@
               </a:rPr>
             </a:br>
             <a:r>
-              <a:rPr lang="en" sz="1200">
+              <a:rPr lang="en" dirty="0">
                 <a:latin typeface="Consolas"/>
                 <a:ea typeface="Consolas"/>
                 <a:cs typeface="Consolas"/>
@@ -11974,15 +12191,12 @@
           </a:p>
           <a:p>
             <a:pPr marL="0" lvl="0" indent="0" rtl="0">
-              <a:lnSpc>
-                <a:spcPct val="150000"/>
-              </a:lnSpc>
-              <a:spcBef>
-                <a:spcPts val="0"/>
-              </a:spcBef>
-              <a:buNone/>
-            </a:pPr>
-            <a:endParaRPr sz="1200">
+              <a:spcBef>
+                <a:spcPts val="0"/>
+              </a:spcBef>
+              <a:buNone/>
+            </a:pPr>
+            <a:endParaRPr dirty="0">
               <a:latin typeface="Consolas"/>
               <a:ea typeface="Consolas"/>
               <a:cs typeface="Consolas"/>
@@ -11991,15 +12205,12 @@
           </a:p>
           <a:p>
             <a:pPr marL="0" lvl="0" indent="0" rtl="0">
-              <a:lnSpc>
-                <a:spcPct val="150000"/>
-              </a:lnSpc>
-              <a:spcBef>
-                <a:spcPts val="0"/>
-              </a:spcBef>
-              <a:buNone/>
-            </a:pPr>
-            <a:endParaRPr sz="1200">
+              <a:spcBef>
+                <a:spcPts val="0"/>
+              </a:spcBef>
+              <a:buNone/>
+            </a:pPr>
+            <a:endParaRPr dirty="0">
               <a:latin typeface="Consolas"/>
               <a:ea typeface="Consolas"/>
               <a:cs typeface="Consolas"/>
@@ -12008,15 +12219,12 @@
           </a:p>
           <a:p>
             <a:pPr marL="0" lvl="0" indent="0" rtl="0">
-              <a:lnSpc>
-                <a:spcPct val="150000"/>
-              </a:lnSpc>
-              <a:spcBef>
-                <a:spcPts val="0"/>
-              </a:spcBef>
-              <a:buNone/>
-            </a:pPr>
-            <a:endParaRPr sz="1200">
+              <a:spcBef>
+                <a:spcPts val="0"/>
+              </a:spcBef>
+              <a:buNone/>
+            </a:pPr>
+            <a:endParaRPr dirty="0">
               <a:latin typeface="Consolas"/>
               <a:ea typeface="Consolas"/>
               <a:cs typeface="Consolas"/>
@@ -12025,16 +12233,30 @@
           </a:p>
           <a:p>
             <a:pPr marL="0" lvl="0" indent="0" rtl="0">
-              <a:lnSpc>
-                <a:spcPct val="150000"/>
-              </a:lnSpc>
-              <a:spcBef>
-                <a:spcPts val="0"/>
-              </a:spcBef>
-              <a:buNone/>
-            </a:pPr>
-            <a:r>
-              <a:rPr lang="en" sz="1200">
+              <a:spcBef>
+                <a:spcPts val="0"/>
+              </a:spcBef>
+              <a:buNone/>
+            </a:pPr>
+            <a:endParaRPr lang="en-US" dirty="0" smtClean="0">
+              <a:solidFill>
+                <a:srgbClr val="999999"/>
+              </a:solidFill>
+              <a:latin typeface="Consolas"/>
+              <a:ea typeface="Consolas"/>
+              <a:cs typeface="Consolas"/>
+              <a:sym typeface="Consolas"/>
+            </a:endParaRPr>
+          </a:p>
+          <a:p>
+            <a:pPr marL="0" lvl="0" indent="0" rtl="0">
+              <a:spcBef>
+                <a:spcPts val="0"/>
+              </a:spcBef>
+              <a:buNone/>
+            </a:pPr>
+            <a:r>
+              <a:rPr lang="en" dirty="0" smtClean="0">
                 <a:solidFill>
                   <a:srgbClr val="999999"/>
                 </a:solidFill>
@@ -12043,7 +12265,19 @@
                 <a:cs typeface="Consolas"/>
                 <a:sym typeface="Consolas"/>
               </a:rPr>
-              <a:t># result = [“Hello!”, “World!”]</a:t>
+              <a:t># </a:t>
+            </a:r>
+            <a:r>
+              <a:rPr lang="en" dirty="0">
+                <a:solidFill>
+                  <a:srgbClr val="999999"/>
+                </a:solidFill>
+                <a:latin typeface="Consolas"/>
+                <a:ea typeface="Consolas"/>
+                <a:cs typeface="Consolas"/>
+                <a:sym typeface="Consolas"/>
+              </a:rPr>
+              <a:t>result = [“Hello!”, “World!”]</a:t>
             </a:r>
           </a:p>
         </p:txBody>
@@ -12155,41 +12389,385 @@
                   <a:srgbClr val="666666"/>
                 </a:solidFill>
               </a:rPr>
-              <a:t>Python’s logical operators are words, not symbols</a:t>
-            </a:r>
-          </a:p>
-          <a:p>
-            <a:pPr marL="1828800" lvl="0" indent="457200" algn="l" rtl="0">
-              <a:spcBef>
-                <a:spcPts val="0"/>
-              </a:spcBef>
+              <a:t>Python’s logical operators are words, not </a:t>
+            </a:r>
+            <a:r>
+              <a:rPr lang="en" dirty="0" smtClean="0">
+                <a:solidFill>
+                  <a:srgbClr val="666666"/>
+                </a:solidFill>
+              </a:rPr>
+              <a:t>symbols</a:t>
+            </a:r>
+            <a:endParaRPr lang="en-US" dirty="0" smtClean="0">
+              <a:solidFill>
+                <a:srgbClr val="666666"/>
+              </a:solidFill>
+            </a:endParaRPr>
+          </a:p>
+          <a:p>
+            <a:pPr marL="1828800" lvl="0" indent="457200">
               <a:spcAft>
                 <a:spcPts val="0"/>
               </a:spcAft>
-              <a:buNone/>
-            </a:pPr>
-            <a:endParaRPr sz="1200" dirty="0" smtClean="0">
+            </a:pPr>
+            <a:r>
+              <a:rPr lang="en" sz="1400" dirty="0">
+                <a:solidFill>
+                  <a:srgbClr val="000000"/>
+                </a:solidFill>
+                <a:latin typeface="Consolas"/>
+                <a:ea typeface="Consolas"/>
+                <a:cs typeface="Consolas"/>
+                <a:sym typeface="Consolas"/>
+              </a:rPr>
+              <a:t>a = </a:t>
+            </a:r>
+            <a:r>
+              <a:rPr lang="en" sz="1400" dirty="0">
+                <a:solidFill>
+                  <a:srgbClr val="0000CD"/>
+                </a:solidFill>
+                <a:latin typeface="Consolas"/>
+                <a:ea typeface="Consolas"/>
+                <a:cs typeface="Consolas"/>
+                <a:sym typeface="Consolas"/>
+              </a:rPr>
+              <a:t>True </a:t>
+            </a:r>
+            <a:r>
+              <a:rPr lang="en" sz="1400" b="1" dirty="0">
+                <a:solidFill>
+                  <a:srgbClr val="000000"/>
+                </a:solidFill>
+                <a:latin typeface="Consolas"/>
+                <a:ea typeface="Consolas"/>
+                <a:cs typeface="Consolas"/>
+                <a:sym typeface="Consolas"/>
+              </a:rPr>
+              <a:t>and</a:t>
+            </a:r>
+            <a:r>
+              <a:rPr lang="en" sz="1400" dirty="0">
+                <a:solidFill>
+                  <a:srgbClr val="A52A2A"/>
+                </a:solidFill>
+                <a:latin typeface="Consolas"/>
+                <a:ea typeface="Consolas"/>
+                <a:cs typeface="Consolas"/>
+                <a:sym typeface="Consolas"/>
+              </a:rPr>
+              <a:t> </a:t>
+            </a:r>
+            <a:r>
+              <a:rPr lang="en" sz="1400" dirty="0">
+                <a:solidFill>
+                  <a:srgbClr val="0000CD"/>
+                </a:solidFill>
+                <a:latin typeface="Consolas"/>
+                <a:ea typeface="Consolas"/>
+                <a:cs typeface="Consolas"/>
+                <a:sym typeface="Consolas"/>
+              </a:rPr>
+              <a:t>False</a:t>
+            </a:r>
+            <a:r>
+              <a:rPr lang="en" sz="1400" dirty="0">
+                <a:solidFill>
+                  <a:srgbClr val="000000"/>
+                </a:solidFill>
+                <a:latin typeface="Consolas"/>
+                <a:ea typeface="Consolas"/>
+                <a:cs typeface="Consolas"/>
+                <a:sym typeface="Consolas"/>
+              </a:rPr>
+              <a:t>		</a:t>
+            </a:r>
+            <a:r>
+              <a:rPr lang="en" sz="1400" dirty="0">
+                <a:solidFill>
+                  <a:srgbClr val="999999"/>
+                </a:solidFill>
+                <a:latin typeface="Consolas"/>
+                <a:ea typeface="Consolas"/>
+                <a:cs typeface="Consolas"/>
+                <a:sym typeface="Consolas"/>
+              </a:rPr>
+              <a:t># a = false</a:t>
+            </a:r>
+          </a:p>
+          <a:p>
+            <a:pPr marL="1828800" lvl="0" indent="457200">
+              <a:spcAft>
+                <a:spcPts val="0"/>
+              </a:spcAft>
+            </a:pPr>
+            <a:r>
+              <a:rPr lang="en" sz="1400" dirty="0">
+                <a:solidFill>
+                  <a:srgbClr val="000000"/>
+                </a:solidFill>
+                <a:latin typeface="Consolas"/>
+                <a:ea typeface="Consolas"/>
+                <a:cs typeface="Consolas"/>
+                <a:sym typeface="Consolas"/>
+              </a:rPr>
+              <a:t>b = </a:t>
+            </a:r>
+            <a:r>
+              <a:rPr lang="en" sz="1400" dirty="0">
+                <a:solidFill>
+                  <a:srgbClr val="0000CD"/>
+                </a:solidFill>
+                <a:latin typeface="Consolas"/>
+                <a:ea typeface="Consolas"/>
+                <a:cs typeface="Consolas"/>
+                <a:sym typeface="Consolas"/>
+              </a:rPr>
+              <a:t>True </a:t>
+            </a:r>
+            <a:r>
+              <a:rPr lang="en" sz="1400" b="1" dirty="0">
+                <a:solidFill>
+                  <a:srgbClr val="000000"/>
+                </a:solidFill>
+                <a:latin typeface="Consolas"/>
+                <a:ea typeface="Consolas"/>
+                <a:cs typeface="Consolas"/>
+                <a:sym typeface="Consolas"/>
+              </a:rPr>
+              <a:t>or</a:t>
+            </a:r>
+            <a:r>
+              <a:rPr lang="en" sz="1400" dirty="0">
+                <a:solidFill>
+                  <a:srgbClr val="A52A2A"/>
+                </a:solidFill>
+                <a:latin typeface="Consolas"/>
+                <a:ea typeface="Consolas"/>
+                <a:cs typeface="Consolas"/>
+                <a:sym typeface="Consolas"/>
+              </a:rPr>
+              <a:t> </a:t>
+            </a:r>
+            <a:r>
+              <a:rPr lang="en" sz="1400" dirty="0">
+                <a:solidFill>
+                  <a:srgbClr val="0000CD"/>
+                </a:solidFill>
+                <a:latin typeface="Consolas"/>
+                <a:ea typeface="Consolas"/>
+                <a:cs typeface="Consolas"/>
+                <a:sym typeface="Consolas"/>
+              </a:rPr>
+              <a:t>False</a:t>
+            </a:r>
+            <a:r>
+              <a:rPr lang="en" sz="1400" dirty="0">
+                <a:solidFill>
+                  <a:srgbClr val="000000"/>
+                </a:solidFill>
+                <a:latin typeface="Consolas"/>
+                <a:ea typeface="Consolas"/>
+                <a:cs typeface="Consolas"/>
+                <a:sym typeface="Consolas"/>
+              </a:rPr>
+              <a:t>		</a:t>
+            </a:r>
+            <a:r>
+              <a:rPr lang="en" sz="1400" dirty="0">
+                <a:solidFill>
+                  <a:srgbClr val="999999"/>
+                </a:solidFill>
+                <a:latin typeface="Consolas"/>
+                <a:ea typeface="Consolas"/>
+                <a:cs typeface="Consolas"/>
+                <a:sym typeface="Consolas"/>
+              </a:rPr>
+              <a:t># b = true</a:t>
+            </a:r>
+          </a:p>
+          <a:p>
+            <a:pPr marL="1828800" lvl="0" indent="457200">
+              <a:spcAft>
+                <a:spcPts val="0"/>
+              </a:spcAft>
+            </a:pPr>
+            <a:r>
+              <a:rPr lang="en" sz="1400" dirty="0">
+                <a:solidFill>
+                  <a:srgbClr val="000000"/>
+                </a:solidFill>
+                <a:latin typeface="Consolas"/>
+                <a:ea typeface="Consolas"/>
+                <a:cs typeface="Consolas"/>
+                <a:sym typeface="Consolas"/>
+              </a:rPr>
+              <a:t>c = </a:t>
+            </a:r>
+            <a:r>
+              <a:rPr lang="en" sz="1400" dirty="0">
+                <a:solidFill>
+                  <a:srgbClr val="0000CD"/>
+                </a:solidFill>
+                <a:latin typeface="Consolas"/>
+                <a:ea typeface="Consolas"/>
+                <a:cs typeface="Consolas"/>
+                <a:sym typeface="Consolas"/>
+              </a:rPr>
+              <a:t>True </a:t>
+            </a:r>
+            <a:r>
+              <a:rPr lang="en" sz="1400" dirty="0">
+                <a:solidFill>
+                  <a:srgbClr val="000000"/>
+                </a:solidFill>
+                <a:latin typeface="Consolas"/>
+                <a:ea typeface="Consolas"/>
+                <a:cs typeface="Consolas"/>
+                <a:sym typeface="Consolas"/>
+              </a:rPr>
+              <a:t>and </a:t>
+            </a:r>
+            <a:r>
+              <a:rPr lang="en" sz="1400" b="1" dirty="0">
+                <a:solidFill>
+                  <a:srgbClr val="000000"/>
+                </a:solidFill>
+                <a:latin typeface="Consolas"/>
+                <a:ea typeface="Consolas"/>
+                <a:cs typeface="Consolas"/>
+                <a:sym typeface="Consolas"/>
+              </a:rPr>
+              <a:t>not</a:t>
+            </a:r>
+            <a:r>
+              <a:rPr lang="en" sz="1400" dirty="0">
+                <a:solidFill>
+                  <a:srgbClr val="A52A2A"/>
+                </a:solidFill>
+                <a:latin typeface="Consolas"/>
+                <a:ea typeface="Consolas"/>
+                <a:cs typeface="Consolas"/>
+                <a:sym typeface="Consolas"/>
+              </a:rPr>
+              <a:t> </a:t>
+            </a:r>
+            <a:r>
+              <a:rPr lang="en" sz="1400" dirty="0">
+                <a:solidFill>
+                  <a:srgbClr val="0000CD"/>
+                </a:solidFill>
+                <a:latin typeface="Consolas"/>
+                <a:ea typeface="Consolas"/>
+                <a:cs typeface="Consolas"/>
+                <a:sym typeface="Consolas"/>
+              </a:rPr>
+              <a:t>False</a:t>
+            </a:r>
+            <a:r>
+              <a:rPr lang="en" sz="1400" dirty="0">
+                <a:solidFill>
+                  <a:srgbClr val="000000"/>
+                </a:solidFill>
+                <a:latin typeface="Consolas"/>
+                <a:ea typeface="Consolas"/>
+                <a:cs typeface="Consolas"/>
+                <a:sym typeface="Consolas"/>
+              </a:rPr>
+              <a:t>	</a:t>
+            </a:r>
+            <a:r>
+              <a:rPr lang="en" sz="1400" dirty="0" smtClean="0">
+                <a:solidFill>
+                  <a:srgbClr val="999999"/>
+                </a:solidFill>
+                <a:latin typeface="Consolas"/>
+                <a:ea typeface="Consolas"/>
+                <a:cs typeface="Consolas"/>
+                <a:sym typeface="Consolas"/>
+              </a:rPr>
+              <a:t># </a:t>
+            </a:r>
+            <a:r>
+              <a:rPr lang="en" sz="1400" dirty="0">
+                <a:solidFill>
+                  <a:srgbClr val="999999"/>
+                </a:solidFill>
+                <a:latin typeface="Consolas"/>
+                <a:ea typeface="Consolas"/>
+                <a:cs typeface="Consolas"/>
+                <a:sym typeface="Consolas"/>
+              </a:rPr>
+              <a:t>c = true</a:t>
+            </a:r>
+          </a:p>
+          <a:p>
+            <a:pPr marL="457200" lvl="0" indent="-317500" rtl="0">
+              <a:spcBef>
+                <a:spcPts val="0"/>
+              </a:spcBef>
+              <a:spcAft>
+                <a:spcPts val="0"/>
+              </a:spcAft>
+              <a:buClr>
+                <a:srgbClr val="666666"/>
+              </a:buClr>
+              <a:buSzPct val="77777"/>
+              <a:buChar char="●"/>
+            </a:pPr>
+            <a:endParaRPr lang="en-US" dirty="0" smtClean="0">
               <a:solidFill>
-                <a:srgbClr val="000000"/>
+                <a:srgbClr val="666666"/>
               </a:solidFill>
-              <a:latin typeface="Source Code Pro"/>
-              <a:ea typeface="Source Code Pro"/>
-              <a:cs typeface="Source Code Pro"/>
-              <a:sym typeface="Source Code Pro"/>
             </a:endParaRPr>
           </a:p>
           <a:p>
-            <a:pPr marL="1828800" lvl="0" indent="457200" algn="l" rtl="0">
-              <a:spcBef>
-                <a:spcPts val="0"/>
-              </a:spcBef>
+            <a:pPr marL="457200" indent="-317500">
               <a:spcAft>
                 <a:spcPts val="0"/>
               </a:spcAft>
-              <a:buNone/>
-            </a:pPr>
-            <a:r>
-              <a:rPr lang="en" sz="1200" dirty="0" smtClean="0">
+              <a:buClr>
+                <a:srgbClr val="666666"/>
+              </a:buClr>
+              <a:buSzPct val="77777"/>
+              <a:buFont typeface="Open Sans"/>
+              <a:buChar char="●"/>
+            </a:pPr>
+            <a:r>
+              <a:rPr lang="en" dirty="0">
+                <a:solidFill>
+                  <a:srgbClr val="666666"/>
+                </a:solidFill>
+              </a:rPr>
+              <a:t>Comparison operators are the same standard </a:t>
+            </a:r>
+            <a:r>
+              <a:rPr lang="en" dirty="0" smtClean="0">
+                <a:solidFill>
+                  <a:srgbClr val="666666"/>
+                </a:solidFill>
+              </a:rPr>
+              <a:t>symbols</a:t>
+            </a:r>
+            <a:endParaRPr lang="en-US" dirty="0" smtClean="0">
+              <a:solidFill>
+                <a:srgbClr val="666666"/>
+              </a:solidFill>
+            </a:endParaRPr>
+          </a:p>
+          <a:p>
+            <a:pPr marL="139700" lvl="0">
+              <a:spcAft>
+                <a:spcPts val="0"/>
+              </a:spcAft>
+              <a:buClr>
+                <a:srgbClr val="666666"/>
+              </a:buClr>
+              <a:buSzPct val="77777"/>
+            </a:pPr>
+            <a:r>
+              <a:rPr lang="en-US" sz="1400" dirty="0" smtClean="0">
                 <a:solidFill>
                   <a:srgbClr val="000000"/>
                 </a:solidFill>
@@ -12198,10 +12776,10 @@
                 <a:cs typeface="Consolas"/>
                 <a:sym typeface="Consolas"/>
               </a:rPr>
-              <a:t>a </a:t>
-            </a:r>
-            <a:r>
-              <a:rPr lang="en" sz="1200" dirty="0">
+              <a:t>		</a:t>
+            </a:r>
+            <a:r>
+              <a:rPr lang="en" sz="1400" dirty="0" smtClean="0">
                 <a:solidFill>
                   <a:srgbClr val="000000"/>
                 </a:solidFill>
@@ -12210,22 +12788,10 @@
                 <a:cs typeface="Consolas"/>
                 <a:sym typeface="Consolas"/>
               </a:rPr>
-              <a:t>= </a:t>
-            </a:r>
-            <a:r>
-              <a:rPr lang="en" sz="1200" dirty="0">
-                <a:solidFill>
-                  <a:srgbClr val="0000CD"/>
-                </a:solidFill>
-                <a:latin typeface="Consolas"/>
-                <a:ea typeface="Consolas"/>
-                <a:cs typeface="Consolas"/>
-                <a:sym typeface="Consolas"/>
-              </a:rPr>
-              <a:t>True </a:t>
-            </a:r>
-            <a:r>
-              <a:rPr lang="en" sz="1200" b="1" dirty="0">
+              <a:t>==, </a:t>
+            </a:r>
+            <a:r>
+              <a:rPr lang="en" sz="1400" dirty="0">
                 <a:solidFill>
                   <a:srgbClr val="000000"/>
                 </a:solidFill>
@@ -12234,34 +12800,10 @@
                 <a:cs typeface="Consolas"/>
                 <a:sym typeface="Consolas"/>
               </a:rPr>
-              <a:t>and</a:t>
-            </a:r>
-            <a:r>
-              <a:rPr lang="en" sz="1200" dirty="0">
-                <a:solidFill>
-                  <a:srgbClr val="A52A2A"/>
-                </a:solidFill>
-                <a:latin typeface="Consolas"/>
-                <a:ea typeface="Consolas"/>
-                <a:cs typeface="Consolas"/>
-                <a:sym typeface="Consolas"/>
-              </a:rPr>
-              <a:t> </a:t>
-            </a:r>
-            <a:r>
-              <a:rPr lang="en" sz="1200" dirty="0">
-                <a:solidFill>
-                  <a:srgbClr val="0000CD"/>
-                </a:solidFill>
-                <a:latin typeface="Consolas"/>
-                <a:ea typeface="Consolas"/>
-                <a:cs typeface="Consolas"/>
-                <a:sym typeface="Consolas"/>
-              </a:rPr>
-              <a:t>False</a:t>
-            </a:r>
-            <a:r>
-              <a:rPr lang="en" sz="1200" dirty="0">
+              <a:t>!= , &lt;, &gt;, &lt;=, </a:t>
+            </a:r>
+            <a:r>
+              <a:rPr lang="en" sz="1400" dirty="0" smtClean="0">
                 <a:solidFill>
                   <a:srgbClr val="000000"/>
                 </a:solidFill>
@@ -12270,246 +12812,15 @@
                 <a:cs typeface="Consolas"/>
                 <a:sym typeface="Consolas"/>
               </a:rPr>
-              <a:t>		</a:t>
-            </a:r>
-            <a:r>
-              <a:rPr lang="en" sz="1200" dirty="0">
-                <a:solidFill>
-                  <a:srgbClr val="999999"/>
-                </a:solidFill>
-                <a:latin typeface="Consolas"/>
-                <a:ea typeface="Consolas"/>
-                <a:cs typeface="Consolas"/>
-                <a:sym typeface="Consolas"/>
-              </a:rPr>
-              <a:t># a = false</a:t>
-            </a:r>
-          </a:p>
-          <a:p>
-            <a:pPr marL="1828800" lvl="0" indent="457200" algn="l" rtl="0">
-              <a:spcBef>
-                <a:spcPts val="0"/>
-              </a:spcBef>
-              <a:spcAft>
-                <a:spcPts val="0"/>
-              </a:spcAft>
-              <a:buNone/>
-            </a:pPr>
-            <a:r>
-              <a:rPr lang="en" sz="1200" dirty="0">
-                <a:solidFill>
-                  <a:srgbClr val="000000"/>
-                </a:solidFill>
-                <a:latin typeface="Consolas"/>
-                <a:ea typeface="Consolas"/>
-                <a:cs typeface="Consolas"/>
-                <a:sym typeface="Consolas"/>
-              </a:rPr>
-              <a:t>b = </a:t>
-            </a:r>
-            <a:r>
-              <a:rPr lang="en" sz="1200" dirty="0">
-                <a:solidFill>
-                  <a:srgbClr val="0000CD"/>
-                </a:solidFill>
-                <a:latin typeface="Consolas"/>
-                <a:ea typeface="Consolas"/>
-                <a:cs typeface="Consolas"/>
-                <a:sym typeface="Consolas"/>
-              </a:rPr>
-              <a:t>True </a:t>
-            </a:r>
-            <a:r>
-              <a:rPr lang="en" sz="1200" b="1" dirty="0">
-                <a:solidFill>
-                  <a:srgbClr val="000000"/>
-                </a:solidFill>
-                <a:latin typeface="Consolas"/>
-                <a:ea typeface="Consolas"/>
-                <a:cs typeface="Consolas"/>
-                <a:sym typeface="Consolas"/>
-              </a:rPr>
-              <a:t>or</a:t>
-            </a:r>
-            <a:r>
-              <a:rPr lang="en" sz="1200" dirty="0">
-                <a:solidFill>
-                  <a:srgbClr val="A52A2A"/>
-                </a:solidFill>
-                <a:latin typeface="Consolas"/>
-                <a:ea typeface="Consolas"/>
-                <a:cs typeface="Consolas"/>
-                <a:sym typeface="Consolas"/>
-              </a:rPr>
-              <a:t> </a:t>
-            </a:r>
-            <a:r>
-              <a:rPr lang="en" sz="1200" dirty="0">
-                <a:solidFill>
-                  <a:srgbClr val="0000CD"/>
-                </a:solidFill>
-                <a:latin typeface="Consolas"/>
-                <a:ea typeface="Consolas"/>
-                <a:cs typeface="Consolas"/>
-                <a:sym typeface="Consolas"/>
-              </a:rPr>
-              <a:t>False</a:t>
-            </a:r>
-            <a:r>
-              <a:rPr lang="en" sz="1200" dirty="0">
-                <a:solidFill>
-                  <a:srgbClr val="000000"/>
-                </a:solidFill>
-                <a:latin typeface="Consolas"/>
-                <a:ea typeface="Consolas"/>
-                <a:cs typeface="Consolas"/>
-                <a:sym typeface="Consolas"/>
-              </a:rPr>
-              <a:t>		</a:t>
-            </a:r>
-            <a:r>
-              <a:rPr lang="en" sz="1200" dirty="0">
-                <a:solidFill>
-                  <a:srgbClr val="999999"/>
-                </a:solidFill>
-                <a:latin typeface="Consolas"/>
-                <a:ea typeface="Consolas"/>
-                <a:cs typeface="Consolas"/>
-                <a:sym typeface="Consolas"/>
-              </a:rPr>
-              <a:t># b = true</a:t>
-            </a:r>
-          </a:p>
-          <a:p>
-            <a:pPr marL="1828800" lvl="0" indent="457200" algn="l" rtl="0">
-              <a:spcBef>
-                <a:spcPts val="0"/>
-              </a:spcBef>
-              <a:spcAft>
-                <a:spcPts val="0"/>
-              </a:spcAft>
-              <a:buNone/>
-            </a:pPr>
-            <a:r>
-              <a:rPr lang="en" sz="1200" dirty="0">
-                <a:solidFill>
-                  <a:srgbClr val="000000"/>
-                </a:solidFill>
-                <a:latin typeface="Consolas"/>
-                <a:ea typeface="Consolas"/>
-                <a:cs typeface="Consolas"/>
-                <a:sym typeface="Consolas"/>
-              </a:rPr>
-              <a:t>c = </a:t>
-            </a:r>
-            <a:r>
-              <a:rPr lang="en" sz="1200" dirty="0">
-                <a:solidFill>
-                  <a:srgbClr val="0000CD"/>
-                </a:solidFill>
-                <a:latin typeface="Consolas"/>
-                <a:ea typeface="Consolas"/>
-                <a:cs typeface="Consolas"/>
-                <a:sym typeface="Consolas"/>
-              </a:rPr>
-              <a:t>True </a:t>
-            </a:r>
-            <a:r>
-              <a:rPr lang="en" sz="1200" dirty="0">
-                <a:solidFill>
-                  <a:srgbClr val="000000"/>
-                </a:solidFill>
-                <a:latin typeface="Consolas"/>
-                <a:ea typeface="Consolas"/>
-                <a:cs typeface="Consolas"/>
-                <a:sym typeface="Consolas"/>
-              </a:rPr>
-              <a:t>and </a:t>
-            </a:r>
-            <a:r>
-              <a:rPr lang="en" sz="1200" b="1" dirty="0">
-                <a:solidFill>
-                  <a:srgbClr val="000000"/>
-                </a:solidFill>
-                <a:latin typeface="Consolas"/>
-                <a:ea typeface="Consolas"/>
-                <a:cs typeface="Consolas"/>
-                <a:sym typeface="Consolas"/>
-              </a:rPr>
-              <a:t>not</a:t>
-            </a:r>
-            <a:r>
-              <a:rPr lang="en" sz="1200" dirty="0">
-                <a:solidFill>
-                  <a:srgbClr val="A52A2A"/>
-                </a:solidFill>
-                <a:latin typeface="Consolas"/>
-                <a:ea typeface="Consolas"/>
-                <a:cs typeface="Consolas"/>
-                <a:sym typeface="Consolas"/>
-              </a:rPr>
-              <a:t> </a:t>
-            </a:r>
-            <a:r>
-              <a:rPr lang="en" sz="1200" dirty="0">
-                <a:solidFill>
-                  <a:srgbClr val="0000CD"/>
-                </a:solidFill>
-                <a:latin typeface="Consolas"/>
-                <a:ea typeface="Consolas"/>
-                <a:cs typeface="Consolas"/>
-                <a:sym typeface="Consolas"/>
-              </a:rPr>
-              <a:t>False</a:t>
-            </a:r>
-            <a:r>
-              <a:rPr lang="en" sz="1200" dirty="0">
-                <a:solidFill>
-                  <a:srgbClr val="000000"/>
-                </a:solidFill>
-                <a:latin typeface="Consolas"/>
-                <a:ea typeface="Consolas"/>
-                <a:cs typeface="Consolas"/>
-                <a:sym typeface="Consolas"/>
-              </a:rPr>
-              <a:t>	</a:t>
-            </a:r>
-            <a:r>
-              <a:rPr lang="en-US" sz="1200" dirty="0" smtClean="0">
-                <a:solidFill>
-                  <a:srgbClr val="000000"/>
-                </a:solidFill>
-                <a:latin typeface="Consolas"/>
-                <a:ea typeface="Consolas"/>
-                <a:cs typeface="Consolas"/>
-                <a:sym typeface="Consolas"/>
-              </a:rPr>
-              <a:t>	</a:t>
-            </a:r>
-            <a:r>
-              <a:rPr lang="en" sz="1200" dirty="0" smtClean="0">
-                <a:solidFill>
-                  <a:srgbClr val="999999"/>
-                </a:solidFill>
-                <a:latin typeface="Consolas"/>
-                <a:ea typeface="Consolas"/>
-                <a:cs typeface="Consolas"/>
-                <a:sym typeface="Consolas"/>
-              </a:rPr>
-              <a:t># </a:t>
-            </a:r>
-            <a:r>
-              <a:rPr lang="en" sz="1200" dirty="0">
-                <a:solidFill>
-                  <a:srgbClr val="999999"/>
-                </a:solidFill>
-                <a:latin typeface="Consolas"/>
-                <a:ea typeface="Consolas"/>
-                <a:cs typeface="Consolas"/>
-                <a:sym typeface="Consolas"/>
-              </a:rPr>
-              <a:t>c = true</a:t>
-            </a:r>
+              <a:t>&gt;=</a:t>
+            </a:r>
+            <a:endParaRPr lang="en" sz="1400" dirty="0">
+              <a:solidFill>
+                <a:srgbClr val="666666"/>
+              </a:solidFill>
+              <a:latin typeface="Consolas"/>
+              <a:cs typeface="Consolas"/>
+            </a:endParaRPr>
           </a:p>
           <a:p>
             <a:pPr marL="1828800" lvl="0" indent="457200" algn="l" rtl="0">
@@ -12542,28 +12853,37 @@
               <a:buClr>
                 <a:srgbClr val="666666"/>
               </a:buClr>
-              <a:buSzPct val="116666"/>
+              <a:buSzPct val="77777"/>
               <a:buChar char="●"/>
             </a:pPr>
             <a:r>
+              <a:rPr lang="en" dirty="0" smtClean="0">
+                <a:solidFill>
+                  <a:srgbClr val="666666"/>
+                </a:solidFill>
+              </a:rPr>
+              <a:t>Comparing </a:t>
+            </a:r>
+            <a:r>
               <a:rPr lang="en" dirty="0">
                 <a:solidFill>
                   <a:srgbClr val="666666"/>
                 </a:solidFill>
               </a:rPr>
-              <a:t>Comparison operators are the same standard symbols</a:t>
-            </a:r>
-          </a:p>
-          <a:p>
-            <a:pPr marL="1828800" lvl="0" indent="457200" algn="l" rtl="0">
-              <a:spcBef>
-                <a:spcPts val="0"/>
-              </a:spcBef>
-              <a:spcAft>
-                <a:spcPts val="0"/>
-              </a:spcAft>
-              <a:buNone/>
-            </a:pPr>
+              <a:t>if two are equal and of the same type: </a:t>
+            </a:r>
+            <a:r>
+              <a:rPr lang="en" dirty="0" smtClean="0">
+                <a:solidFill>
+                  <a:srgbClr val="000000"/>
+                </a:solidFill>
+                <a:latin typeface="Source Code Pro"/>
+                <a:ea typeface="Source Code Pro"/>
+                <a:cs typeface="Source Code Pro"/>
+                <a:sym typeface="Source Code Pro"/>
+              </a:rPr>
+              <a:t>===</a:t>
+            </a:r>
             <a:endParaRPr sz="1200" dirty="0">
               <a:solidFill>
                 <a:srgbClr val="000000"/>
@@ -12575,7 +12895,7 @@
             </a:endParaRPr>
           </a:p>
           <a:p>
-            <a:pPr marL="1828800" lvl="0" indent="457200" algn="l" rtl="0">
+            <a:pPr marL="1828800" lvl="0" indent="0" rtl="0">
               <a:spcBef>
                 <a:spcPts val="0"/>
               </a:spcBef>
@@ -12585,7 +12905,7 @@
               <a:buNone/>
             </a:pPr>
             <a:r>
-              <a:rPr lang="en" sz="1200" dirty="0">
+              <a:rPr lang="en" sz="1400" dirty="0">
                 <a:solidFill>
                   <a:srgbClr val="000000"/>
                 </a:solidFill>
@@ -12594,11 +12914,47 @@
                 <a:cs typeface="Consolas"/>
                 <a:sym typeface="Consolas"/>
               </a:rPr>
-              <a:t>==, != , &lt;, &gt;, &lt;=, &gt;=</a:t>
-            </a:r>
-          </a:p>
-          <a:p>
-            <a:pPr marL="0" lvl="0" indent="0" algn="l" rtl="0">
+              <a:t>a = [1, 2, 3]			a </a:t>
+            </a:r>
+            <a:r>
+              <a:rPr lang="en" sz="1400" b="1" dirty="0">
+                <a:solidFill>
+                  <a:srgbClr val="000000"/>
+                </a:solidFill>
+                <a:latin typeface="Consolas"/>
+                <a:ea typeface="Consolas"/>
+                <a:cs typeface="Consolas"/>
+                <a:sym typeface="Consolas"/>
+              </a:rPr>
+              <a:t>is </a:t>
+            </a:r>
+            <a:r>
+              <a:rPr lang="en" sz="1400" dirty="0">
+                <a:solidFill>
+                  <a:srgbClr val="000000"/>
+                </a:solidFill>
+                <a:latin typeface="Consolas"/>
+                <a:ea typeface="Consolas"/>
+                <a:cs typeface="Consolas"/>
+                <a:sym typeface="Consolas"/>
+              </a:rPr>
+              <a:t>b </a:t>
+            </a:r>
+            <a:r>
+              <a:rPr lang="en" sz="1400" dirty="0">
+                <a:solidFill>
+                  <a:srgbClr val="999999"/>
+                </a:solidFill>
+                <a:latin typeface="Consolas"/>
+                <a:ea typeface="Consolas"/>
+                <a:cs typeface="Consolas"/>
+                <a:sym typeface="Consolas"/>
+              </a:rPr>
+              <a:t># false</a:t>
+            </a:r>
+          </a:p>
+          <a:p>
+            <a:pPr marL="1828800" lvl="0" indent="0" rtl="0">
               <a:spcBef>
                 <a:spcPts val="0"/>
               </a:spcBef>
@@ -12607,83 +12963,79 @@
               </a:spcAft>
               <a:buNone/>
             </a:pPr>
-            <a:endParaRPr sz="1200" dirty="0">
-              <a:solidFill>
-                <a:srgbClr val="000000"/>
-              </a:solidFill>
-              <a:latin typeface="Source Code Pro"/>
-              <a:ea typeface="Source Code Pro"/>
-              <a:cs typeface="Source Code Pro"/>
-              <a:sym typeface="Source Code Pro"/>
-            </a:endParaRPr>
-          </a:p>
-          <a:p>
-            <a:pPr marL="457200" lvl="0" indent="-317500" rtl="0">
+            <a:r>
+              <a:rPr lang="en" sz="1400" dirty="0">
+                <a:solidFill>
+                  <a:srgbClr val="000000"/>
+                </a:solidFill>
+                <a:latin typeface="Consolas"/>
+                <a:ea typeface="Consolas"/>
+                <a:cs typeface="Consolas"/>
+                <a:sym typeface="Consolas"/>
+              </a:rPr>
+              <a:t>b = [1, 2, 3]			c </a:t>
+            </a:r>
+            <a:r>
+              <a:rPr lang="en" sz="1400" b="1" dirty="0">
+                <a:solidFill>
+                  <a:srgbClr val="000000"/>
+                </a:solidFill>
+                <a:latin typeface="Consolas"/>
+                <a:ea typeface="Consolas"/>
+                <a:cs typeface="Consolas"/>
+                <a:sym typeface="Consolas"/>
+              </a:rPr>
+              <a:t>is </a:t>
+            </a:r>
+            <a:r>
+              <a:rPr lang="en" sz="1400" dirty="0">
+                <a:solidFill>
+                  <a:srgbClr val="000000"/>
+                </a:solidFill>
+                <a:latin typeface="Consolas"/>
+                <a:ea typeface="Consolas"/>
+                <a:cs typeface="Consolas"/>
+                <a:sym typeface="Consolas"/>
+              </a:rPr>
+              <a:t>b </a:t>
+            </a:r>
+            <a:r>
+              <a:rPr lang="en" sz="1400" dirty="0">
+                <a:solidFill>
+                  <a:srgbClr val="999999"/>
+                </a:solidFill>
+                <a:latin typeface="Consolas"/>
+                <a:ea typeface="Consolas"/>
+                <a:cs typeface="Consolas"/>
+                <a:sym typeface="Consolas"/>
+              </a:rPr>
+              <a:t># true</a:t>
+            </a:r>
+          </a:p>
+          <a:p>
+            <a:pPr marL="1828800" lvl="0" indent="0" rtl="0">
               <a:spcBef>
                 <a:spcPts val="0"/>
               </a:spcBef>
               <a:spcAft>
                 <a:spcPts val="0"/>
               </a:spcAft>
-              <a:buClr>
-                <a:srgbClr val="666666"/>
-              </a:buClr>
-              <a:buSzPct val="77777"/>
-              <a:buChar char="●"/>
-            </a:pPr>
-            <a:r>
-              <a:rPr lang="en" dirty="0">
-                <a:solidFill>
-                  <a:srgbClr val="666666"/>
-                </a:solidFill>
-              </a:rPr>
-              <a:t>Comparing if two are equal and of the same type: </a:t>
-            </a:r>
-            <a:r>
-              <a:rPr lang="en" dirty="0">
+              <a:buNone/>
+            </a:pPr>
+            <a:r>
+              <a:rPr lang="en" sz="1400" dirty="0">
                 <a:solidFill>
                   <a:srgbClr val="000000"/>
                 </a:solidFill>
-                <a:latin typeface="Source Code Pro"/>
-                <a:ea typeface="Source Code Pro"/>
-                <a:cs typeface="Source Code Pro"/>
-                <a:sym typeface="Source Code Pro"/>
-              </a:rPr>
-              <a:t>===</a:t>
-            </a:r>
-          </a:p>
-          <a:p>
-            <a:pPr marL="1828800" lvl="0" indent="0" rtl="0">
-              <a:spcBef>
-                <a:spcPts val="0"/>
-              </a:spcBef>
-              <a:spcAft>
-                <a:spcPts val="0"/>
-              </a:spcAft>
-              <a:buNone/>
-            </a:pPr>
-            <a:endParaRPr sz="1200" dirty="0">
-              <a:solidFill>
-                <a:srgbClr val="000000"/>
-              </a:solidFill>
-              <a:latin typeface="Source Code Pro"/>
-              <a:ea typeface="Source Code Pro"/>
-              <a:cs typeface="Source Code Pro"/>
-              <a:sym typeface="Source Code Pro"/>
-            </a:endParaRPr>
-          </a:p>
-          <a:p>
-            <a:pPr marL="1828800" lvl="0" indent="0" rtl="0">
-              <a:spcBef>
-                <a:spcPts val="0"/>
-              </a:spcBef>
-              <a:spcAft>
-                <a:spcPts val="0"/>
-              </a:spcAft>
-              <a:buNone/>
-            </a:pPr>
-            <a:r>
-              <a:rPr lang="en" sz="1200" dirty="0">
+                <a:latin typeface="Consolas"/>
+                <a:ea typeface="Consolas"/>
+                <a:cs typeface="Consolas"/>
+                <a:sym typeface="Consolas"/>
+              </a:rPr>
+              <a:t>c = b				</a:t>
+            </a:r>
+            <a:r>
+              <a:rPr lang="en" sz="1400" dirty="0" smtClean="0">
                 <a:solidFill>
                   <a:srgbClr val="000000"/>
                 </a:solidFill>
@@ -12692,10 +13044,10 @@
                 <a:cs typeface="Consolas"/>
                 <a:sym typeface="Consolas"/>
               </a:rPr>
-              <a:t>a = [1, 2, 3]			a </a:t>
-            </a:r>
-            <a:r>
-              <a:rPr lang="en" sz="1200" b="1" dirty="0">
+              <a:t>a </a:t>
+            </a:r>
+            <a:r>
+              <a:rPr lang="en" sz="1400" dirty="0">
                 <a:solidFill>
                   <a:srgbClr val="000000"/>
                 </a:solidFill>
@@ -12704,140 +13056,10 @@
                 <a:cs typeface="Consolas"/>
                 <a:sym typeface="Consolas"/>
               </a:rPr>
-              <a:t>is </a:t>
-            </a:r>
-            <a:r>
-              <a:rPr lang="en" sz="1200" dirty="0">
-                <a:solidFill>
-                  <a:srgbClr val="000000"/>
-                </a:solidFill>
-                <a:latin typeface="Consolas"/>
-                <a:ea typeface="Consolas"/>
-                <a:cs typeface="Consolas"/>
-                <a:sym typeface="Consolas"/>
-              </a:rPr>
-              <a:t>b </a:t>
-            </a:r>
-            <a:r>
-              <a:rPr lang="en" sz="1200" dirty="0">
-                <a:solidFill>
-                  <a:srgbClr val="999999"/>
-                </a:solidFill>
-                <a:latin typeface="Consolas"/>
-                <a:ea typeface="Consolas"/>
-                <a:cs typeface="Consolas"/>
-                <a:sym typeface="Consolas"/>
-              </a:rPr>
-              <a:t># false</a:t>
-            </a:r>
-          </a:p>
-          <a:p>
-            <a:pPr marL="1828800" lvl="0" indent="0" rtl="0">
-              <a:spcBef>
-                <a:spcPts val="0"/>
-              </a:spcBef>
-              <a:spcAft>
-                <a:spcPts val="0"/>
-              </a:spcAft>
-              <a:buNone/>
-            </a:pPr>
-            <a:r>
-              <a:rPr lang="en" sz="1200" dirty="0">
-                <a:solidFill>
-                  <a:srgbClr val="000000"/>
-                </a:solidFill>
-                <a:latin typeface="Consolas"/>
-                <a:ea typeface="Consolas"/>
-                <a:cs typeface="Consolas"/>
-                <a:sym typeface="Consolas"/>
-              </a:rPr>
-              <a:t>b = [1, 2, 3]			c </a:t>
-            </a:r>
-            <a:r>
-              <a:rPr lang="en" sz="1200" b="1" dirty="0">
-                <a:solidFill>
-                  <a:srgbClr val="000000"/>
-                </a:solidFill>
-                <a:latin typeface="Consolas"/>
-                <a:ea typeface="Consolas"/>
-                <a:cs typeface="Consolas"/>
-                <a:sym typeface="Consolas"/>
-              </a:rPr>
-              <a:t>is </a:t>
-            </a:r>
-            <a:r>
-              <a:rPr lang="en" sz="1200" dirty="0">
-                <a:solidFill>
-                  <a:srgbClr val="000000"/>
-                </a:solidFill>
-                <a:latin typeface="Consolas"/>
-                <a:ea typeface="Consolas"/>
-                <a:cs typeface="Consolas"/>
-                <a:sym typeface="Consolas"/>
-              </a:rPr>
-              <a:t>b </a:t>
-            </a:r>
-            <a:r>
-              <a:rPr lang="en" sz="1200" dirty="0">
-                <a:solidFill>
-                  <a:srgbClr val="999999"/>
-                </a:solidFill>
-                <a:latin typeface="Consolas"/>
-                <a:ea typeface="Consolas"/>
-                <a:cs typeface="Consolas"/>
-                <a:sym typeface="Consolas"/>
-              </a:rPr>
-              <a:t># true</a:t>
-            </a:r>
-          </a:p>
-          <a:p>
-            <a:pPr marL="1828800" lvl="0" indent="0" rtl="0">
-              <a:spcBef>
-                <a:spcPts val="0"/>
-              </a:spcBef>
-              <a:spcAft>
-                <a:spcPts val="0"/>
-              </a:spcAft>
-              <a:buNone/>
-            </a:pPr>
-            <a:r>
-              <a:rPr lang="en" sz="1200" dirty="0">
-                <a:solidFill>
-                  <a:srgbClr val="000000"/>
-                </a:solidFill>
-                <a:latin typeface="Consolas"/>
-                <a:ea typeface="Consolas"/>
-                <a:cs typeface="Consolas"/>
-                <a:sym typeface="Consolas"/>
-              </a:rPr>
-              <a:t>c = b				</a:t>
-            </a:r>
-            <a:r>
-              <a:rPr lang="en" sz="1200" dirty="0" smtClean="0">
-                <a:solidFill>
-                  <a:srgbClr val="000000"/>
-                </a:solidFill>
-                <a:latin typeface="Consolas"/>
-                <a:ea typeface="Consolas"/>
-                <a:cs typeface="Consolas"/>
-                <a:sym typeface="Consolas"/>
-              </a:rPr>
-              <a:t>a </a:t>
-            </a:r>
-            <a:r>
-              <a:rPr lang="en" sz="1200" dirty="0">
-                <a:solidFill>
-                  <a:srgbClr val="000000"/>
-                </a:solidFill>
-                <a:latin typeface="Consolas"/>
-                <a:ea typeface="Consolas"/>
-                <a:cs typeface="Consolas"/>
-                <a:sym typeface="Consolas"/>
-              </a:rPr>
               <a:t>== b </a:t>
             </a:r>
             <a:r>
-              <a:rPr lang="en" sz="1200" dirty="0">
+              <a:rPr lang="en" sz="1400" dirty="0">
                 <a:solidFill>
                   <a:srgbClr val="999999"/>
                 </a:solidFill>
@@ -13012,7 +13234,7 @@
               <a:buNone/>
             </a:pPr>
             <a:r>
-              <a:rPr lang="en">
+              <a:rPr lang="en" dirty="0">
                 <a:solidFill>
                   <a:srgbClr val="000000"/>
                 </a:solidFill>
@@ -13037,11 +13259,11 @@
               </a:spcBef>
             </a:pPr>
             <a:r>
-              <a:rPr lang="en"/>
+              <a:rPr lang="en" dirty="0"/>
               <a:t>Imports the numpy package and renames it to </a:t>
             </a:r>
             <a:r>
-              <a:rPr lang="en">
+              <a:rPr lang="en" dirty="0">
                 <a:latin typeface="Source Code Pro"/>
                 <a:ea typeface="Source Code Pro"/>
                 <a:cs typeface="Source Code Pro"/>
@@ -13050,7 +13272,7 @@
               <a:t>np</a:t>
             </a:r>
             <a:r>
-              <a:rPr lang="en"/>
+              <a:rPr lang="en" dirty="0"/>
               <a:t> for use in this file</a:t>
             </a:r>
           </a:p>
@@ -13064,7 +13286,7 @@
               </a:spcBef>
               <a:buNone/>
             </a:pPr>
-            <a:endParaRPr/>
+            <a:endParaRPr dirty="0"/>
           </a:p>
           <a:p>
             <a:pPr marL="0" lvl="0" indent="0" rtl="0">
@@ -13077,7 +13299,7 @@
               <a:buNone/>
             </a:pPr>
             <a:r>
-              <a:rPr lang="en">
+              <a:rPr lang="en" dirty="0">
                 <a:solidFill>
                   <a:srgbClr val="000000"/>
                 </a:solidFill>
@@ -13102,7 +13324,7 @@
               </a:spcBef>
             </a:pPr>
             <a:r>
-              <a:rPr lang="en">
+              <a:rPr lang="en" dirty="0">
                 <a:highlight>
                   <a:srgbClr val="FFFFFF"/>
                 </a:highlight>
@@ -13110,7 +13332,7 @@
               <a:t>Imports the single function </a:t>
             </a:r>
             <a:r>
-              <a:rPr lang="en">
+              <a:rPr lang="en" dirty="0">
                 <a:highlight>
                   <a:srgbClr val="FFFFFF"/>
                 </a:highlight>
@@ -13122,7 +13344,7 @@
               <a:t>matmul</a:t>
             </a:r>
             <a:r>
-              <a:rPr lang="en">
+              <a:rPr lang="en" dirty="0">
                 <a:highlight>
                   <a:srgbClr val="FFFFFF"/>
                 </a:highlight>
@@ -13233,7 +13455,7 @@
               <a:buSzPct val="100000"/>
             </a:pPr>
             <a:r>
-              <a:rPr lang="en" sz="1800">
+              <a:rPr lang="en" sz="1800" dirty="0">
                 <a:highlight>
                   <a:srgbClr val="FFFFFF"/>
                 </a:highlight>
@@ -13254,7 +13476,7 @@
               </a:spcAft>
               <a:buNone/>
             </a:pPr>
-            <a:endParaRPr sz="1800"/>
+            <a:endParaRPr sz="1800" dirty="0"/>
           </a:p>
           <a:p>
             <a:pPr marL="457200" lvl="0" indent="-342900" rtl="0">
@@ -13270,11 +13492,11 @@
               <a:buSzPct val="100000"/>
             </a:pPr>
             <a:r>
-              <a:rPr lang="en" sz="1800"/>
+              <a:rPr lang="en" sz="1800" dirty="0"/>
               <a:t>When you are in a virtual environment, the name of the active one will appear in your terminal prompt. This means that all </a:t>
             </a:r>
             <a:r>
-              <a:rPr lang="en" sz="1800">
+              <a:rPr lang="en" sz="1800" dirty="0">
                 <a:solidFill>
                   <a:srgbClr val="000000"/>
                 </a:solidFill>
@@ -13286,7 +13508,7 @@
               <a:t>pip</a:t>
             </a:r>
             <a:r>
-              <a:rPr lang="en" sz="1800"/>
+              <a:rPr lang="en" sz="1800" dirty="0"/>
               <a:t> installations from now on will only apply to within your virtualenv</a:t>
             </a:r>
           </a:p>
@@ -14237,85 +14459,97 @@
           <a:lstStyle/>
           <a:p>
             <a:pPr marL="457200" lvl="0" indent="-228600" rtl="0">
+              <a:lnSpc>
+                <a:spcPct val="100000"/>
+              </a:lnSpc>
               <a:spcBef>
                 <a:spcPts val="0"/>
               </a:spcBef>
               <a:buAutoNum type="arabicPeriod"/>
             </a:pPr>
             <a:r>
-              <a:rPr lang="en"/>
+              <a:rPr lang="en" dirty="0"/>
               <a:t>Follow the wizard for installing Python.</a:t>
             </a:r>
           </a:p>
           <a:p>
             <a:pPr marL="457200" lvl="0" indent="-228600" rtl="0">
+              <a:lnSpc>
+                <a:spcPct val="100000"/>
+              </a:lnSpc>
               <a:spcBef>
                 <a:spcPts val="0"/>
               </a:spcBef>
               <a:buAutoNum type="arabicPeriod"/>
             </a:pPr>
             <a:r>
-              <a:rPr lang="en"/>
+              <a:rPr lang="en" dirty="0"/>
               <a:t>Now we have to add Python to PATH, the environment variable which tells the operating system where certain programs live.</a:t>
             </a:r>
           </a:p>
           <a:p>
             <a:pPr marL="914400" lvl="1" indent="-228600" rtl="0">
+              <a:lnSpc>
+                <a:spcPct val="100000"/>
+              </a:lnSpc>
               <a:spcBef>
                 <a:spcPts val="0"/>
               </a:spcBef>
               <a:buAutoNum type="alphaLcPeriod"/>
             </a:pPr>
             <a:r>
-              <a:rPr lang="en"/>
+              <a:rPr lang="en" dirty="0"/>
               <a:t>Right click on </a:t>
             </a:r>
             <a:r>
-              <a:rPr lang="en" b="1"/>
+              <a:rPr lang="en" b="1" dirty="0"/>
               <a:t>This PC</a:t>
             </a:r>
             <a:r>
-              <a:rPr lang="en"/>
+              <a:rPr lang="en" dirty="0"/>
               <a:t>. Click on </a:t>
             </a:r>
             <a:r>
-              <a:rPr lang="en" b="1"/>
+              <a:rPr lang="en" b="1" dirty="0"/>
               <a:t>Properties</a:t>
             </a:r>
             <a:r>
-              <a:rPr lang="en"/>
+              <a:rPr lang="en" dirty="0"/>
               <a:t>. On the side, click the link </a:t>
             </a:r>
             <a:r>
-              <a:rPr lang="en" b="1"/>
+              <a:rPr lang="en" b="1" dirty="0"/>
               <a:t>Advanced System Settings</a:t>
             </a:r>
             <a:r>
-              <a:rPr lang="en"/>
+              <a:rPr lang="en" dirty="0"/>
               <a:t>. Then click the button </a:t>
             </a:r>
             <a:r>
-              <a:rPr lang="en" b="1"/>
+              <a:rPr lang="en" b="1" dirty="0"/>
               <a:t>Environment Variables</a:t>
             </a:r>
             <a:r>
-              <a:rPr lang="en"/>
+              <a:rPr lang="en" dirty="0"/>
               <a:t>. A dialog will pop up which lets you modify entries.</a:t>
             </a:r>
           </a:p>
           <a:p>
             <a:pPr marL="914400" lvl="1" indent="-228600" rtl="0">
+              <a:lnSpc>
+                <a:spcPct val="100000"/>
+              </a:lnSpc>
               <a:spcBef>
                 <a:spcPts val="0"/>
               </a:spcBef>
               <a:buAutoNum type="alphaLcPeriod"/>
             </a:pPr>
             <a:r>
-              <a:rPr lang="en"/>
+              <a:rPr lang="en" dirty="0"/>
               <a:t>In the terminal, run </a:t>
             </a:r>
             <a:r>
-              <a:rPr lang="en">
+              <a:rPr lang="en" dirty="0">
                 <a:latin typeface="Consolas"/>
                 <a:ea typeface="Consolas"/>
                 <a:cs typeface="Consolas"/>
@@ -14324,11 +14558,11 @@
               <a:t>whereis</a:t>
             </a:r>
             <a:r>
-              <a:rPr lang="en"/>
+              <a:rPr lang="en" dirty="0"/>
               <a:t> </a:t>
             </a:r>
             <a:r>
-              <a:rPr lang="en">
+              <a:rPr lang="en" dirty="0">
                 <a:latin typeface="Consolas"/>
                 <a:ea typeface="Consolas"/>
                 <a:cs typeface="Consolas"/>
@@ -14337,43 +14571,46 @@
               <a:t>python</a:t>
             </a:r>
             <a:r>
-              <a:rPr lang="en"/>
+              <a:rPr lang="en" dirty="0"/>
               <a:t> and copy the output up to the last folder, excluding the .exe file -- this is where Python is installed.</a:t>
             </a:r>
           </a:p>
           <a:p>
             <a:pPr marL="914400" lvl="1" indent="-228600" rtl="0">
+              <a:lnSpc>
+                <a:spcPct val="100000"/>
+              </a:lnSpc>
               <a:spcBef>
                 <a:spcPts val="0"/>
               </a:spcBef>
               <a:buAutoNum type="alphaLcPeriod"/>
             </a:pPr>
             <a:r>
-              <a:rPr lang="en"/>
+              <a:rPr lang="en" dirty="0"/>
               <a:t>Click on the PATH variable in </a:t>
             </a:r>
             <a:r>
-              <a:rPr lang="en" b="1"/>
+              <a:rPr lang="en" b="1" dirty="0"/>
               <a:t>System Variables</a:t>
             </a:r>
             <a:r>
-              <a:rPr lang="en"/>
+              <a:rPr lang="en" dirty="0"/>
               <a:t> so that it is highlighted, then click on </a:t>
             </a:r>
             <a:r>
-              <a:rPr lang="en" b="1"/>
+              <a:rPr lang="en" b="1" dirty="0"/>
               <a:t>Edit</a:t>
             </a:r>
             <a:r>
-              <a:rPr lang="en"/>
+              <a:rPr lang="en" dirty="0"/>
               <a:t>. In the new dialog that opens, click </a:t>
             </a:r>
             <a:r>
-              <a:rPr lang="en" b="1"/>
+              <a:rPr lang="en" b="1" dirty="0"/>
               <a:t>New</a:t>
             </a:r>
             <a:r>
-              <a:rPr lang="en"/>
+              <a:rPr lang="en" dirty="0"/>
               <a:t> and paste in the file path you just copied.</a:t>
             </a:r>
           </a:p>
@@ -14490,7 +14727,7 @@
           <a:p>
             <a:pPr marL="457200" marR="0" lvl="0" indent="-342900" algn="l" rtl="0">
               <a:lnSpc>
-                <a:spcPct val="115000"/>
+                <a:spcPct val="100000"/>
               </a:lnSpc>
               <a:spcBef>
                 <a:spcPts val="0"/>
@@ -14506,23 +14743,26 @@
               <a:buAutoNum type="arabicPeriod"/>
             </a:pPr>
             <a:r>
-              <a:rPr lang="en"/>
+              <a:rPr lang="en" dirty="0"/>
               <a:t>We’ll need to add pip to our PATH as well. Pip is a Python package management system.</a:t>
             </a:r>
           </a:p>
           <a:p>
             <a:pPr marL="914400" lvl="1" indent="-228600" rtl="0">
+              <a:lnSpc>
+                <a:spcPct val="100000"/>
+              </a:lnSpc>
               <a:spcBef>
                 <a:spcPts val="0"/>
               </a:spcBef>
               <a:buAutoNum type="alphaLcPeriod"/>
             </a:pPr>
             <a:r>
-              <a:rPr lang="en"/>
+              <a:rPr lang="en" dirty="0"/>
               <a:t>In the terminal, run </a:t>
             </a:r>
             <a:r>
-              <a:rPr lang="en">
+              <a:rPr lang="en" dirty="0">
                 <a:latin typeface="Consolas"/>
                 <a:ea typeface="Consolas"/>
                 <a:cs typeface="Consolas"/>
@@ -14531,11 +14771,11 @@
               <a:t>whereis</a:t>
             </a:r>
             <a:r>
-              <a:rPr lang="en"/>
+              <a:rPr lang="en" dirty="0"/>
               <a:t> </a:t>
             </a:r>
             <a:r>
-              <a:rPr lang="en">
+              <a:rPr lang="en" dirty="0">
                 <a:latin typeface="Consolas"/>
                 <a:ea typeface="Consolas"/>
                 <a:cs typeface="Consolas"/>
@@ -14544,55 +14784,64 @@
               <a:t>pip</a:t>
             </a:r>
             <a:r>
-              <a:rPr lang="en"/>
+              <a:rPr lang="en" dirty="0"/>
               <a:t> and copy the output up to the last folder, excluding the .exe file -- this is where pip is installed.</a:t>
             </a:r>
           </a:p>
           <a:p>
             <a:pPr marL="914400" lvl="1" indent="-228600" rtl="0">
+              <a:lnSpc>
+                <a:spcPct val="100000"/>
+              </a:lnSpc>
               <a:spcBef>
                 <a:spcPts val="0"/>
               </a:spcBef>
               <a:buAutoNum type="alphaLcPeriod"/>
             </a:pPr>
             <a:r>
-              <a:rPr lang="en"/>
+              <a:rPr lang="en" dirty="0"/>
               <a:t>Click </a:t>
             </a:r>
             <a:r>
-              <a:rPr lang="en" b="1"/>
+              <a:rPr lang="en" b="1" dirty="0"/>
               <a:t>New</a:t>
             </a:r>
             <a:r>
-              <a:rPr lang="en"/>
+              <a:rPr lang="en" dirty="0"/>
               <a:t> in the Environment Variables dialog and paste in the file path you just copied.</a:t>
             </a:r>
           </a:p>
           <a:p>
             <a:pPr marL="457200" lvl="0" indent="-228600" rtl="0">
+              <a:lnSpc>
+                <a:spcPct val="100000"/>
+              </a:lnSpc>
               <a:spcBef>
                 <a:spcPts val="0"/>
               </a:spcBef>
               <a:buAutoNum type="arabicPeriod"/>
             </a:pPr>
             <a:r>
-              <a:rPr lang="en"/>
+              <a:rPr lang="en" dirty="0"/>
               <a:t>  Close the Command Prompt and open it again.</a:t>
             </a:r>
           </a:p>
           <a:p>
             <a:pPr marL="457200" lvl="0" indent="-228600" rtl="0">
+              <a:lnSpc>
+                <a:spcPct val="100000"/>
+              </a:lnSpc>
               <a:spcBef>
                 <a:spcPts val="0"/>
               </a:spcBef>
               <a:buAutoNum type="arabicPeriod"/>
             </a:pPr>
             <a:r>
-              <a:rPr lang="en"/>
+              <a:rPr lang="en" dirty="0"/>
               <a:t>  Try running </a:t>
             </a:r>
             <a:r>
-              <a:rPr lang="en">
+              <a:rPr lang="en" dirty="0">
                 <a:latin typeface="Consolas"/>
                 <a:ea typeface="Consolas"/>
                 <a:cs typeface="Consolas"/>
@@ -14601,23 +14850,26 @@
               <a:t>python</a:t>
             </a:r>
             <a:r>
-              <a:rPr lang="en"/>
+              <a:rPr lang="en" dirty="0"/>
               <a:t> and make sure it opens the python interpreter.</a:t>
             </a:r>
           </a:p>
           <a:p>
             <a:pPr marL="457200" lvl="0" indent="-228600" rtl="0">
+              <a:lnSpc>
+                <a:spcPct val="100000"/>
+              </a:lnSpc>
               <a:spcBef>
                 <a:spcPts val="0"/>
               </a:spcBef>
               <a:buAutoNum type="arabicPeriod"/>
             </a:pPr>
             <a:r>
-              <a:rPr lang="en"/>
+              <a:rPr lang="en" dirty="0"/>
               <a:t>  Try running </a:t>
             </a:r>
             <a:r>
-              <a:rPr lang="en">
+              <a:rPr lang="en" dirty="0">
                 <a:latin typeface="Consolas"/>
                 <a:ea typeface="Consolas"/>
                 <a:cs typeface="Consolas"/>
@@ -14626,156 +14878,14 @@
               <a:t>pip help</a:t>
             </a:r>
             <a:r>
-              <a:rPr lang="en"/>
-              <a:t> and make sure it prints out information.</a:t>
-            </a:r>
-          </a:p>
-          <a:p>
-            <a:pPr lvl="0" rtl="0">
-              <a:spcBef>
-                <a:spcPts val="0"/>
-              </a:spcBef>
-              <a:buNone/>
-            </a:pPr>
-            <a:endParaRPr/>
-          </a:p>
-          <a:p>
-            <a:pPr lvl="0" rtl="0">
-              <a:spcBef>
-                <a:spcPts val="0"/>
-              </a:spcBef>
-              <a:buNone/>
-            </a:pPr>
-            <a:endParaRPr/>
-          </a:p>
-          <a:p>
-            <a:pPr lvl="0" rtl="0">
-              <a:spcBef>
-                <a:spcPts val="0"/>
-              </a:spcBef>
-              <a:buNone/>
-            </a:pPr>
-            <a:endParaRPr/>
-          </a:p>
-          <a:p>
-            <a:pPr lvl="0" rtl="0">
-              <a:spcBef>
-                <a:spcPts val="0"/>
-              </a:spcBef>
-              <a:buNone/>
-            </a:pPr>
-            <a:endParaRPr/>
-          </a:p>
-          <a:p>
-            <a:pPr lvl="0" rtl="0">
-              <a:spcBef>
-                <a:spcPts val="0"/>
-              </a:spcBef>
-              <a:buNone/>
-            </a:pPr>
-            <a:endParaRPr/>
-          </a:p>
-          <a:p>
-            <a:pPr lvl="0" rtl="0">
-              <a:spcBef>
-                <a:spcPts val="0"/>
-              </a:spcBef>
-              <a:buNone/>
-            </a:pPr>
-            <a:endParaRPr/>
-          </a:p>
-          <a:p>
-            <a:pPr marL="457200" lvl="0" indent="-228600" rtl="0">
-              <a:spcBef>
-                <a:spcPts val="0"/>
-              </a:spcBef>
-              <a:buAutoNum type="arabicPeriod"/>
-            </a:pPr>
-            <a:r>
-              <a:rPr lang="en"/>
-              <a:t>Follow the wizard for installing Python</a:t>
-            </a:r>
-          </a:p>
-          <a:p>
-            <a:pPr lvl="0" rtl="0">
-              <a:spcBef>
-                <a:spcPts val="0"/>
-              </a:spcBef>
-              <a:buNone/>
-            </a:pPr>
-            <a:endParaRPr/>
-          </a:p>
-          <a:p>
-            <a:pPr marL="457200" lvl="0" indent="-228600" rtl="0">
-              <a:spcBef>
-                <a:spcPts val="0"/>
-              </a:spcBef>
-              <a:buAutoNum type="arabicPeriod"/>
-            </a:pPr>
-            <a:r>
-              <a:rPr lang="en"/>
-              <a:t>mkdir hello_world     </a:t>
-            </a:r>
-          </a:p>
-          <a:p>
-            <a:pPr marL="457200" lvl="0" indent="-228600" rtl="0">
-              <a:spcBef>
-                <a:spcPts val="0"/>
-              </a:spcBef>
-              <a:buAutoNum type="arabicPeriod"/>
-            </a:pPr>
-            <a:r>
-              <a:rPr lang="en"/>
-              <a:t>cd hello_world</a:t>
-            </a:r>
-          </a:p>
-          <a:p>
-            <a:pPr marL="457200" lvl="0" indent="-228600" rtl="0">
-              <a:spcBef>
-                <a:spcPts val="0"/>
-              </a:spcBef>
-              <a:buAutoNum type="arabicPeriod"/>
-            </a:pPr>
-            <a:r>
-              <a:rPr lang="en"/>
-              <a:t>virtualenv venv                	 </a:t>
-            </a:r>
-            <a:r>
-              <a:rPr lang="en" sz="1400"/>
-              <a:t>// create a virtual environment to contain dependencies</a:t>
-            </a:r>
-          </a:p>
-          <a:p>
-            <a:pPr marL="457200" lvl="0" indent="-228600" rtl="0">
-              <a:spcBef>
-                <a:spcPts val="0"/>
-              </a:spcBef>
-              <a:buAutoNum type="arabicPeriod"/>
-            </a:pPr>
-            <a:r>
-              <a:rPr lang="en"/>
-              <a:t>. venv/bin/activate      	 </a:t>
-            </a:r>
-            <a:r>
-              <a:rPr lang="en" sz="1400"/>
-              <a:t>// activate the virtual environment</a:t>
-            </a:r>
-          </a:p>
-          <a:p>
-            <a:pPr marL="457200" lvl="0" indent="-228600" rtl="0">
-              <a:spcBef>
-                <a:spcPts val="0"/>
-              </a:spcBef>
-              <a:buAutoNum type="arabicPeriod"/>
-            </a:pPr>
-            <a:r>
-              <a:rPr lang="en"/>
-              <a:t>sudo pip install Flask  </a:t>
-            </a:r>
-            <a:r>
-              <a:rPr lang="en" sz="1400"/>
-              <a:t>// make sure you’re inside the venv</a:t>
-            </a:r>
+              <a:rPr lang="en" dirty="0"/>
+              <a:t> and make sure it prints out information</a:t>
+            </a:r>
+            <a:r>
+              <a:rPr lang="en" dirty="0" smtClean="0"/>
+              <a:t>.</a:t>
+            </a:r>
+            <a:endParaRPr lang="en" dirty="0"/>
           </a:p>
         </p:txBody>
       </p:sp>
@@ -14876,7 +14986,7 @@
               </a:spcBef>
             </a:pPr>
             <a:r>
-              <a:rPr lang="en">
+              <a:rPr lang="en" dirty="0">
                 <a:highlight>
                   <a:srgbClr val="FFFFFF"/>
                 </a:highlight>
@@ -14898,7 +15008,7 @@
               <a:buNone/>
             </a:pPr>
             <a:r>
-              <a:rPr lang="en">
+              <a:rPr lang="en" sz="1400" dirty="0">
                 <a:solidFill>
                   <a:srgbClr val="000000"/>
                 </a:solidFill>
@@ -14927,7 +15037,7 @@
               <a:buNone/>
             </a:pPr>
             <a:r>
-              <a:rPr lang="en">
+              <a:rPr lang="en" sz="1400" dirty="0" smtClean="0">
                 <a:solidFill>
                   <a:srgbClr val="000000"/>
                 </a:solidFill>
@@ -14941,18 +15051,7 @@
               </a:rPr>
               <a:t>hi</a:t>
             </a:r>
-          </a:p>
-          <a:p>
-            <a:pPr lvl="0" rtl="0">
-              <a:lnSpc>
-                <a:spcPct val="100000"/>
-              </a:lnSpc>
-              <a:spcBef>
-                <a:spcPts val="0"/>
-              </a:spcBef>
-              <a:buNone/>
-            </a:pPr>
-            <a:endParaRPr>
+            <a:endParaRPr dirty="0">
               <a:highlight>
                 <a:srgbClr val="FFFFFF"/>
               </a:highlight>
@@ -14967,13 +15066,36 @@
                 <a:spcPts val="0"/>
               </a:spcBef>
             </a:pPr>
-            <a:r>
-              <a:rPr lang="en">
+            <a:endParaRPr lang="en-US" dirty="0" smtClean="0">
+              <a:highlight>
+                <a:srgbClr val="FFFFFF"/>
+              </a:highlight>
+            </a:endParaRPr>
+          </a:p>
+          <a:p>
+            <a:pPr marL="457200" lvl="0" indent="-228600" rtl="0">
+              <a:lnSpc>
+                <a:spcPct val="100000"/>
+              </a:lnSpc>
+              <a:spcBef>
+                <a:spcPts val="0"/>
+              </a:spcBef>
+            </a:pPr>
+            <a:r>
+              <a:rPr lang="en" dirty="0" smtClean="0">
                 <a:highlight>
                   <a:srgbClr val="FFFFFF"/>
                 </a:highlight>
               </a:rPr>
-              <a:t>Start up an interpreter</a:t>
+              <a:t>Start </a:t>
+            </a:r>
+            <a:r>
+              <a:rPr lang="en" dirty="0">
+                <a:highlight>
+                  <a:srgbClr val="FFFFFF"/>
+                </a:highlight>
+              </a:rPr>
+              <a:t>up an interpreter</a:t>
             </a:r>
           </a:p>
           <a:p>
@@ -14990,7 +15112,7 @@
               <a:buNone/>
             </a:pPr>
             <a:r>
-              <a:rPr lang="en">
+              <a:rPr lang="en" sz="1400" dirty="0">
                 <a:solidFill>
                   <a:srgbClr val="000000"/>
                 </a:solidFill>
@@ -15016,7 +15138,7 @@
               <a:buNone/>
             </a:pPr>
             <a:r>
-              <a:rPr lang="en">
+              <a:rPr lang="en" sz="1400" dirty="0">
                 <a:solidFill>
                   <a:srgbClr val="000000"/>
                 </a:solidFill>
@@ -15042,7 +15164,7 @@
               <a:buNone/>
             </a:pPr>
             <a:r>
-              <a:rPr lang="en">
+              <a:rPr lang="en" sz="1400" dirty="0">
                 <a:solidFill>
                   <a:srgbClr val="000000"/>
                 </a:solidFill>
@@ -15157,7 +15279,7 @@
               <a:buNone/>
             </a:pPr>
             <a:r>
-              <a:rPr lang="en" b="1">
+              <a:rPr lang="en" b="1" dirty="0">
                 <a:solidFill>
                   <a:srgbClr val="0000CD"/>
                 </a:solidFill>
@@ -15169,7 +15291,7 @@
               <a:t>def</a:t>
             </a:r>
             <a:r>
-              <a:rPr lang="en">
+              <a:rPr lang="en" dirty="0">
                 <a:solidFill>
                   <a:srgbClr val="000000"/>
                 </a:solidFill>
@@ -15195,7 +15317,7 @@
               <a:buNone/>
             </a:pPr>
             <a:r>
-              <a:rPr lang="en">
+              <a:rPr lang="en" dirty="0">
                 <a:solidFill>
                   <a:srgbClr val="000000"/>
                 </a:solidFill>
@@ -15221,7 +15343,7 @@
               <a:buNone/>
             </a:pPr>
             <a:r>
-              <a:rPr lang="en">
+              <a:rPr lang="en" dirty="0">
                 <a:solidFill>
                   <a:srgbClr val="000000"/>
                 </a:solidFill>
@@ -15247,7 +15369,7 @@
               <a:buNone/>
             </a:pPr>
             <a:r>
-              <a:rPr lang="en">
+              <a:rPr lang="en" dirty="0">
                 <a:solidFill>
                   <a:srgbClr val="000000"/>
                 </a:solidFill>
@@ -15259,7 +15381,7 @@
               <a:t>  greeting = </a:t>
             </a:r>
             <a:r>
-              <a:rPr lang="en">
+              <a:rPr lang="en" dirty="0">
                 <a:solidFill>
                   <a:srgbClr val="A52A2A"/>
                 </a:solidFill>
@@ -15285,7 +15407,7 @@
               <a:buNone/>
             </a:pPr>
             <a:r>
-              <a:rPr lang="en">
+              <a:rPr lang="en" dirty="0">
                 <a:solidFill>
                   <a:srgbClr val="000000"/>
                 </a:solidFill>
@@ -15310,7 +15432,7 @@
               </a:spcAft>
               <a:buNone/>
             </a:pPr>
-            <a:endParaRPr>
+            <a:endParaRPr dirty="0">
               <a:solidFill>
                 <a:srgbClr val="000000"/>
               </a:solidFill>
@@ -15334,7 +15456,7 @@
               <a:buNone/>
             </a:pPr>
             <a:r>
-              <a:rPr lang="en">
+              <a:rPr lang="en" dirty="0">
                 <a:solidFill>
                   <a:srgbClr val="999999"/>
                 </a:solidFill>
@@ -15360,7 +15482,7 @@
               <a:buNone/>
             </a:pPr>
             <a:r>
-              <a:rPr lang="en">
+              <a:rPr lang="en" dirty="0">
                 <a:solidFill>
                   <a:srgbClr val="999999"/>
                 </a:solidFill>
@@ -15386,7 +15508,7 @@
               <a:buNone/>
             </a:pPr>
             <a:r>
-              <a:rPr lang="en">
+              <a:rPr lang="en" dirty="0">
                 <a:solidFill>
                   <a:srgbClr val="999999"/>
                 </a:solidFill>
@@ -15412,7 +15534,7 @@
               <a:buNone/>
             </a:pPr>
             <a:r>
-              <a:rPr lang="en">
+              <a:rPr lang="en" dirty="0">
                 <a:solidFill>
                   <a:srgbClr val="999999"/>
                 </a:solidFill>
@@ -15435,7 +15557,7 @@
               <a:buNone/>
             </a:pPr>
             <a:r>
-              <a:rPr lang="en">
+              <a:rPr lang="en" dirty="0">
                 <a:solidFill>
                   <a:srgbClr val="999999"/>
                 </a:solidFill>
@@ -16038,7 +16160,7 @@
           <a:p>
             <a:pPr marL="514350" lvl="0" indent="-285750" rtl="0">
               <a:lnSpc>
-                <a:spcPct val="200000"/>
+                <a:spcPct val="100000"/>
               </a:lnSpc>
               <a:spcBef>
                 <a:spcPts val="0"/>
@@ -16064,7 +16186,7 @@
           <a:p>
             <a:pPr marL="514350" lvl="0" indent="-285750" rtl="0">
               <a:lnSpc>
-                <a:spcPct val="200000"/>
+                <a:spcPct val="100000"/>
               </a:lnSpc>
               <a:spcBef>
                 <a:spcPts val="0"/>
@@ -16090,7 +16212,7 @@
           <a:p>
             <a:pPr marL="514350" lvl="0" indent="-285750" rtl="0">
               <a:lnSpc>
-                <a:spcPct val="200000"/>
+                <a:spcPct val="100000"/>
               </a:lnSpc>
               <a:spcBef>
                 <a:spcPts val="0"/>
@@ -16116,7 +16238,7 @@
           <a:p>
             <a:pPr marL="514350" lvl="0" indent="-285750" rtl="0">
               <a:lnSpc>
-                <a:spcPct val="200000"/>
+                <a:spcPct val="100000"/>
               </a:lnSpc>
               <a:spcBef>
                 <a:spcPts val="0"/>
@@ -16142,7 +16264,7 @@
           <a:p>
             <a:pPr marL="514350" lvl="0" indent="-285750" rtl="0">
               <a:lnSpc>
-                <a:spcPct val="200000"/>
+                <a:spcPct val="100000"/>
               </a:lnSpc>
               <a:spcBef>
                 <a:spcPts val="0"/>
@@ -16168,7 +16290,7 @@
           <a:p>
             <a:pPr marL="514350" lvl="0" indent="-285750" rtl="0">
               <a:lnSpc>
-                <a:spcPct val="200000"/>
+                <a:spcPct val="100000"/>
               </a:lnSpc>
               <a:spcBef>
                 <a:spcPts val="0"/>
